--- a/reports/report_group_.pptx
+++ b/reports/report_group_.pptx
@@ -5,32 +5,35 @@
     <p:sldMasterId id="2147483648" r:id="rId1"/>
   </p:sldMasterIdLst>
   <p:notesMasterIdLst>
-    <p:notesMasterId r:id="rId7"/>
+    <p:notesMasterId r:id="rId10"/>
   </p:notesMasterIdLst>
   <p:sldIdLst>
     <p:sldId id="256" r:id="rId2"/>
     <p:sldId id="262" r:id="rId3"/>
-    <p:sldId id="271" r:id="rId4"/>
-    <p:sldId id="302" r:id="rId5"/>
-    <p:sldId id="307" r:id="rId6"/>
+    <p:sldId id="310" r:id="rId4"/>
+    <p:sldId id="312" r:id="rId5"/>
+    <p:sldId id="311" r:id="rId6"/>
+    <p:sldId id="308" r:id="rId7"/>
+    <p:sldId id="302" r:id="rId8"/>
+    <p:sldId id="307" r:id="rId9"/>
   </p:sldIdLst>
   <p:sldSz cx="12192000" cy="6858000"/>
   <p:notesSz cx="9601200" cy="15087600"/>
   <p:embeddedFontLst>
     <p:embeddedFont>
       <p:font typeface="Calibri" panose="020F0502020204030204" pitchFamily="34" charset="0"/>
-      <p:regular r:id="rId8"/>
-      <p:bold r:id="rId9"/>
-      <p:italic r:id="rId10"/>
-      <p:boldItalic r:id="rId11"/>
+      <p:regular r:id="rId11"/>
+      <p:bold r:id="rId12"/>
+      <p:italic r:id="rId13"/>
+      <p:boldItalic r:id="rId14"/>
     </p:embeddedFont>
     <p:embeddedFont>
       <p:font typeface="HellschreiberSansW00-Bold" panose="02000806000000020003" pitchFamily="2" charset="0"/>
-      <p:bold r:id="rId12"/>
+      <p:bold r:id="rId15"/>
     </p:embeddedFont>
     <p:embeddedFont>
       <p:font typeface="HellschreiberSansW00-Medium" panose="02000806000000020003" pitchFamily="2" charset="0"/>
-      <p:regular r:id="rId13"/>
+      <p:regular r:id="rId16"/>
     </p:embeddedFont>
   </p:embeddedFontLst>
   <p:defaultTextStyle>
@@ -218,7 +221,7 @@
           <a:p>
             <a:fld id="{CF83F687-F070-49AA-B834-4E788E745FE7}" type="datetimeFigureOut">
               <a:rPr lang="en-US" smtClean="0"/>
-              <a:t>4/1/23</a:t>
+              <a:t>4/2/23</a:t>
             </a:fld>
             <a:endParaRPr lang="en-US"/>
           </a:p>
@@ -632,7 +635,7 @@
           <a:p>
             <a:fld id="{AD39C450-BE0F-ED4E-A4D0-91CA31D1A387}" type="datetime1">
               <a:rPr lang="en-US" smtClean="0"/>
-              <a:t>4/1/23</a:t>
+              <a:t>4/2/23</a:t>
             </a:fld>
             <a:endParaRPr lang="en-US"/>
           </a:p>
@@ -833,7 +836,7 @@
           <a:p>
             <a:fld id="{3EC3D0FA-8D88-9848-AFC5-F7C9FB72F9A8}" type="datetime1">
               <a:rPr lang="en-US" smtClean="0"/>
-              <a:t>4/1/23</a:t>
+              <a:t>4/2/23</a:t>
             </a:fld>
             <a:endParaRPr lang="en-US"/>
           </a:p>
@@ -1044,7 +1047,7 @@
           <a:p>
             <a:fld id="{00C2A60E-E765-BC48-A998-E75020C46126}" type="datetime1">
               <a:rPr lang="en-US" smtClean="0"/>
-              <a:t>4/1/23</a:t>
+              <a:t>4/2/23</a:t>
             </a:fld>
             <a:endParaRPr lang="en-US"/>
           </a:p>
@@ -1245,7 +1248,7 @@
           <a:p>
             <a:fld id="{55BC336C-9A31-9048-8145-60361BE634F9}" type="datetime1">
               <a:rPr lang="en-US" smtClean="0"/>
-              <a:t>4/1/23</a:t>
+              <a:t>4/2/23</a:t>
             </a:fld>
             <a:endParaRPr lang="en-US"/>
           </a:p>
@@ -1523,7 +1526,7 @@
           <a:p>
             <a:fld id="{87B9B150-4833-0C46-98D2-9AAC7C8AB499}" type="datetime1">
               <a:rPr lang="en-US" smtClean="0"/>
-              <a:t>4/1/23</a:t>
+              <a:t>4/2/23</a:t>
             </a:fld>
             <a:endParaRPr lang="en-US"/>
           </a:p>
@@ -1791,7 +1794,7 @@
           <a:p>
             <a:fld id="{23FD4F1B-05A7-A94F-B7C7-FD26CF17FFF2}" type="datetime1">
               <a:rPr lang="en-US" smtClean="0"/>
-              <a:t>4/1/23</a:t>
+              <a:t>4/2/23</a:t>
             </a:fld>
             <a:endParaRPr lang="en-US"/>
           </a:p>
@@ -2206,7 +2209,7 @@
           <a:p>
             <a:fld id="{BE9E3E71-217B-5848-BC87-7EF2F18C85A0}" type="datetime1">
               <a:rPr lang="en-US" smtClean="0"/>
-              <a:t>4/1/23</a:t>
+              <a:t>4/2/23</a:t>
             </a:fld>
             <a:endParaRPr lang="en-US"/>
           </a:p>
@@ -2350,7 +2353,7 @@
           <a:p>
             <a:fld id="{EEAAEE5B-9586-2440-A946-FF5569A86948}" type="datetime1">
               <a:rPr lang="en-US" smtClean="0"/>
-              <a:t>4/1/23</a:t>
+              <a:t>4/2/23</a:t>
             </a:fld>
             <a:endParaRPr lang="en-US"/>
           </a:p>
@@ -2466,7 +2469,7 @@
           <a:p>
             <a:fld id="{C4C62C7F-5569-9B49-86DE-80AAC6446483}" type="datetime1">
               <a:rPr lang="en-US" smtClean="0"/>
-              <a:t>4/1/23</a:t>
+              <a:t>4/2/23</a:t>
             </a:fld>
             <a:endParaRPr lang="en-US"/>
           </a:p>
@@ -2780,7 +2783,7 @@
           <a:p>
             <a:fld id="{6172C7D3-3DD0-3D45-A2C7-BF59F3A00C72}" type="datetime1">
               <a:rPr lang="en-US" smtClean="0"/>
-              <a:t>4/1/23</a:t>
+              <a:t>4/2/23</a:t>
             </a:fld>
             <a:endParaRPr lang="en-US"/>
           </a:p>
@@ -3071,7 +3074,7 @@
           <a:p>
             <a:fld id="{7C6FA754-7578-BF49-A7BE-3FC76C33CD3C}" type="datetime1">
               <a:rPr lang="en-US" smtClean="0"/>
-              <a:t>4/1/23</a:t>
+              <a:t>4/2/23</a:t>
             </a:fld>
             <a:endParaRPr lang="en-US"/>
           </a:p>
@@ -3315,7 +3318,7 @@
           <a:p>
             <a:fld id="{36972922-B54C-9946-99A2-5692873B22DB}" type="datetime1">
               <a:rPr lang="en-US" smtClean="0"/>
-              <a:t>4/1/23</a:t>
+              <a:t>4/2/23</a:t>
             </a:fld>
             <a:endParaRPr lang="en-US"/>
           </a:p>
@@ -4109,7 +4112,7 @@
             <a:pPr indent="228600"/>
             <a:r>
               <a:rPr lang="en-US" sz="4000" dirty="0"/>
-              <a:t>Molecular Dynamics</a:t>
+              <a:t>Surfactant</a:t>
             </a:r>
           </a:p>
         </p:txBody>
@@ -4145,99 +4148,395 @@
       </p:sp>
       <p:sp>
         <p:nvSpPr>
-          <p:cNvPr id="29" name="TextBox 28">
-            <a:extLst>
-              <a:ext uri="{FF2B5EF4-FFF2-40B4-BE49-F238E27FC236}">
-                <a16:creationId xmlns:a16="http://schemas.microsoft.com/office/drawing/2014/main" id="{BFF9B201-DD2A-4E1C-A069-B060D7B709ED}"/>
-              </a:ext>
-            </a:extLst>
-          </p:cNvPr>
-          <p:cNvSpPr txBox="1"/>
+          <p:cNvPr id="5" name="Date Placeholder 4">
+            <a:extLst>
+              <a:ext uri="{FF2B5EF4-FFF2-40B4-BE49-F238E27FC236}">
+                <a16:creationId xmlns:a16="http://schemas.microsoft.com/office/drawing/2014/main" id="{CF24239E-B3BC-4111-B9A3-B5FC12645457}"/>
+              </a:ext>
+            </a:extLst>
+          </p:cNvPr>
+          <p:cNvSpPr>
+            <a:spLocks noGrp="1"/>
+          </p:cNvSpPr>
+          <p:nvPr>
+            <p:ph type="dt" sz="half" idx="10"/>
+          </p:nvPr>
+        </p:nvSpPr>
+        <p:spPr/>
+        <p:txBody>
+          <a:bodyPr/>
+          <a:lstStyle/>
+          <a:p>
+            <a:fld id="{DC55DF7D-0BC3-B94E-878D-FB685BC45A56}" type="datetime1">
+              <a:rPr lang="en-US" smtClean="0"/>
+              <a:t>4/2/23</a:t>
+            </a:fld>
+            <a:endParaRPr lang="en-US"/>
+          </a:p>
+        </p:txBody>
+      </p:sp>
+      <p:sp>
+        <p:nvSpPr>
+          <p:cNvPr id="6" name="Footer Placeholder 5">
+            <a:extLst>
+              <a:ext uri="{FF2B5EF4-FFF2-40B4-BE49-F238E27FC236}">
+                <a16:creationId xmlns:a16="http://schemas.microsoft.com/office/drawing/2014/main" id="{47FD7281-7FB7-4298-9D8E-373BBA69DD0C}"/>
+              </a:ext>
+            </a:extLst>
+          </p:cNvPr>
+          <p:cNvSpPr>
+            <a:spLocks noGrp="1"/>
+          </p:cNvSpPr>
+          <p:nvPr>
+            <p:ph type="ftr" sz="quarter" idx="11"/>
+          </p:nvPr>
+        </p:nvSpPr>
+        <p:spPr/>
+        <p:txBody>
+          <a:bodyPr/>
+          <a:lstStyle/>
+          <a:p>
+            <a:r>
+              <a:rPr lang="en-US"/>
+              <a:t>Teslim, Toheeb &amp; Chidera (2023)</a:t>
+            </a:r>
+          </a:p>
+        </p:txBody>
+      </p:sp>
+      <p:pic>
+        <p:nvPicPr>
+          <p:cNvPr id="1026" name="Picture 2" descr="undefined">
+            <a:extLst>
+              <a:ext uri="{FF2B5EF4-FFF2-40B4-BE49-F238E27FC236}">
+                <a16:creationId xmlns:a16="http://schemas.microsoft.com/office/drawing/2014/main" id="{32DCA83A-C276-900E-21FC-903123BFEB68}"/>
+              </a:ext>
+            </a:extLst>
+          </p:cNvPr>
+          <p:cNvPicPr>
+            <a:picLocks noChangeAspect="1" noChangeArrowheads="1"/>
+          </p:cNvPicPr>
           <p:nvPr/>
-        </p:nvSpPr>
-        <p:spPr>
+        </p:nvPicPr>
+        <p:blipFill>
+          <a:blip r:embed="rId2">
+            <a:extLst>
+              <a:ext uri="{28A0092B-C50C-407E-A947-70E740481C1C}">
+                <a14:useLocalDpi xmlns:a14="http://schemas.microsoft.com/office/drawing/2010/main" val="0"/>
+              </a:ext>
+            </a:extLst>
+          </a:blip>
+          <a:srcRect/>
+          <a:stretch>
+            <a:fillRect/>
+          </a:stretch>
+        </p:blipFill>
+        <p:spPr bwMode="auto">
           <a:xfrm>
-            <a:off x="1259996" y="5591166"/>
-            <a:ext cx="9614369" cy="442674"/>
+            <a:off x="2146798" y="4162028"/>
+            <a:ext cx="2539202" cy="1800025"/>
           </a:xfrm>
-          <a:prstGeom prst="roundRect">
+          <a:prstGeom prst="rect">
             <a:avLst/>
           </a:prstGeom>
           <a:noFill/>
+          <a:extLst>
+            <a:ext uri="{909E8E84-426E-40DD-AFC4-6F175D3DCCD1}">
+              <a14:hiddenFill xmlns:a14="http://schemas.microsoft.com/office/drawing/2010/main">
+                <a:solidFill>
+                  <a:srgbClr val="FFFFFF"/>
+                </a:solidFill>
+              </a14:hiddenFill>
+            </a:ext>
+          </a:extLst>
         </p:spPr>
-        <p:txBody>
-          <a:bodyPr wrap="square" rtlCol="0">
+      </p:pic>
+      <p:pic>
+        <p:nvPicPr>
+          <p:cNvPr id="1028" name="Picture 4" descr="An Easy Guide to Understanding How Surfactants Work | IPC">
+            <a:extLst>
+              <a:ext uri="{FF2B5EF4-FFF2-40B4-BE49-F238E27FC236}">
+                <a16:creationId xmlns:a16="http://schemas.microsoft.com/office/drawing/2014/main" id="{A11558CD-0687-CD66-53DE-6FB91AB194FF}"/>
+              </a:ext>
+            </a:extLst>
+          </p:cNvPr>
+          <p:cNvPicPr>
+            <a:picLocks noChangeAspect="1" noChangeArrowheads="1"/>
+          </p:cNvPicPr>
+          <p:nvPr/>
+        </p:nvPicPr>
+        <p:blipFill>
+          <a:blip r:embed="rId3">
+            <a:extLst>
+              <a:ext uri="{28A0092B-C50C-407E-A947-70E740481C1C}">
+                <a14:useLocalDpi xmlns:a14="http://schemas.microsoft.com/office/drawing/2010/main" val="0"/>
+              </a:ext>
+            </a:extLst>
+          </a:blip>
+          <a:srcRect/>
+          <a:stretch>
+            <a:fillRect/>
+          </a:stretch>
+        </p:blipFill>
+        <p:spPr bwMode="auto">
+          <a:xfrm>
+            <a:off x="8384312" y="824160"/>
+            <a:ext cx="2036946" cy="2369909"/>
+          </a:xfrm>
+          <a:prstGeom prst="rect">
+            <a:avLst/>
+          </a:prstGeom>
+          <a:noFill/>
+          <a:extLst>
+            <a:ext uri="{909E8E84-426E-40DD-AFC4-6F175D3DCCD1}">
+              <a14:hiddenFill xmlns:a14="http://schemas.microsoft.com/office/drawing/2010/main">
+                <a:solidFill>
+                  <a:srgbClr val="FFFFFF"/>
+                </a:solidFill>
+              </a14:hiddenFill>
+            </a:ext>
+          </a:extLst>
+        </p:spPr>
+      </p:pic>
+      <p:sp>
+        <p:nvSpPr>
+          <p:cNvPr id="3" name="Two ways to manage heat in a larger stack…">
+            <a:extLst>
+              <a:ext uri="{FF2B5EF4-FFF2-40B4-BE49-F238E27FC236}">
+                <a16:creationId xmlns:a16="http://schemas.microsoft.com/office/drawing/2014/main" id="{DD6F2561-B89C-D3D9-B3E7-2187CDBC5007}"/>
+              </a:ext>
+            </a:extLst>
+          </p:cNvPr>
+          <p:cNvSpPr txBox="1"/>
+          <p:nvPr/>
+        </p:nvSpPr>
+        <p:spPr>
+          <a:xfrm>
+            <a:off x="811573" y="1328078"/>
+            <a:ext cx="7013682" cy="1282402"/>
+          </a:xfrm>
+          <a:prstGeom prst="rect">
+            <a:avLst/>
+          </a:prstGeom>
+          <a:ln w="12700">
+            <a:miter lim="400000"/>
+          </a:ln>
+          <a:extLst>
+            <a:ext uri="{C572A759-6A51-4108-AA02-DFA0A04FC94B}">
+              <ma14:wrappingTextBoxFlag xmlns="" xmlns:m="http://schemas.openxmlformats.org/officeDocument/2006/math" xmlns:a14="http://schemas.microsoft.com/office/drawing/2010/main" xmlns:ma14="http://schemas.microsoft.com/office/mac/drawingml/2011/main" val="1"/>
+            </a:ext>
+          </a:extLst>
+        </p:spPr>
+        <p:txBody>
+          <a:bodyPr wrap="square" lIns="25400" tIns="25400" rIns="25400" bIns="25400" anchor="ctr">
             <a:spAutoFit/>
           </a:bodyPr>
           <a:lstStyle/>
           <a:p>
-            <a:pPr algn="ctr"/>
+            <a:pPr marL="173038" indent="-173038" defTabSz="292100">
+              <a:buSzPct val="100000"/>
+              <a:buFont typeface="Arial" panose="020B0604020202020204" pitchFamily="34" charset="0"/>
+              <a:buChar char="•"/>
+              <a:defRPr sz="4200">
+                <a:solidFill>
+                  <a:srgbClr val="4BACC6">
+                    <a:hueOff val="-82419"/>
+                    <a:satOff val="-9513"/>
+                    <a:lumOff val="-16343"/>
+                  </a:srgbClr>
+                </a:solidFill>
+                <a:latin typeface="Helvetica"/>
+                <a:ea typeface="Helvetica"/>
+                <a:cs typeface="Helvetica"/>
+                <a:sym typeface="Helvetica"/>
+              </a:defRPr>
+            </a:pPr>
             <a:r>
               <a:rPr lang="en-US" sz="2000" dirty="0">
-                <a:latin typeface="HellschreiberSansW00-Bold" panose="02000806000000020003" pitchFamily="2" charset="0"/>
+                <a:solidFill>
+                  <a:schemeClr val="tx1">
+                    <a:lumMod val="75000"/>
+                    <a:lumOff val="25000"/>
+                  </a:schemeClr>
+                </a:solidFill>
+                <a:latin typeface="+mj-lt"/>
+                <a:cs typeface="Lato Semibold" panose="020F0502020204030203" pitchFamily="34" charset="0"/>
               </a:rPr>
-              <a:t>xxx</a:t>
-            </a:r>
-          </a:p>
-        </p:txBody>
-      </p:sp>
-      <p:sp>
-        <p:nvSpPr>
-          <p:cNvPr id="5" name="Date Placeholder 4">
-            <a:extLst>
-              <a:ext uri="{FF2B5EF4-FFF2-40B4-BE49-F238E27FC236}">
-                <a16:creationId xmlns:a16="http://schemas.microsoft.com/office/drawing/2014/main" id="{CF24239E-B3BC-4111-B9A3-B5FC12645457}"/>
-              </a:ext>
-            </a:extLst>
-          </p:cNvPr>
-          <p:cNvSpPr>
-            <a:spLocks noGrp="1"/>
-          </p:cNvSpPr>
-          <p:nvPr>
-            <p:ph type="dt" sz="half" idx="10"/>
-          </p:nvPr>
-        </p:nvSpPr>
-        <p:spPr/>
-        <p:txBody>
-          <a:bodyPr/>
-          <a:lstStyle/>
-          <a:p>
-            <a:fld id="{DC55DF7D-0BC3-B94E-878D-FB685BC45A56}" type="datetime1">
-              <a:rPr lang="en-US" smtClean="0"/>
-              <a:t>4/1/23</a:t>
-            </a:fld>
-            <a:endParaRPr lang="en-US"/>
-          </a:p>
-        </p:txBody>
-      </p:sp>
-      <p:sp>
-        <p:nvSpPr>
-          <p:cNvPr id="6" name="Footer Placeholder 5">
-            <a:extLst>
-              <a:ext uri="{FF2B5EF4-FFF2-40B4-BE49-F238E27FC236}">
-                <a16:creationId xmlns:a16="http://schemas.microsoft.com/office/drawing/2014/main" id="{47FD7281-7FB7-4298-9D8E-373BBA69DD0C}"/>
-              </a:ext>
-            </a:extLst>
-          </p:cNvPr>
-          <p:cNvSpPr>
-            <a:spLocks noGrp="1"/>
-          </p:cNvSpPr>
-          <p:nvPr>
-            <p:ph type="ftr" sz="quarter" idx="11"/>
-          </p:nvPr>
-        </p:nvSpPr>
-        <p:spPr/>
-        <p:txBody>
-          <a:bodyPr/>
-          <a:lstStyle/>
-          <a:p>
-            <a:r>
-              <a:rPr lang="en-US"/>
-              <a:t>Teslim, Toheeb &amp; Chidera (2023)</a:t>
-            </a:r>
-          </a:p>
-        </p:txBody>
-      </p:sp>
+              <a:t>Surfactants: chemical compounds that decrease the surface tension or interfacial tension between two liquids.</a:t>
+            </a:r>
+          </a:p>
+          <a:p>
+            <a:pPr marL="173038" indent="-173038" defTabSz="292100">
+              <a:buSzPct val="100000"/>
+              <a:buFont typeface="Arial" panose="020B0604020202020204" pitchFamily="34" charset="0"/>
+              <a:buChar char="•"/>
+              <a:defRPr sz="4200">
+                <a:solidFill>
+                  <a:srgbClr val="4BACC6">
+                    <a:hueOff val="-82419"/>
+                    <a:satOff val="-9513"/>
+                    <a:lumOff val="-16343"/>
+                  </a:srgbClr>
+                </a:solidFill>
+                <a:latin typeface="Helvetica"/>
+                <a:ea typeface="Helvetica"/>
+                <a:cs typeface="Helvetica"/>
+                <a:sym typeface="Helvetica"/>
+              </a:defRPr>
+            </a:pPr>
+            <a:r>
+              <a:rPr lang="en-US" sz="2000" dirty="0">
+                <a:solidFill>
+                  <a:schemeClr val="tx1">
+                    <a:lumMod val="75000"/>
+                    <a:lumOff val="25000"/>
+                  </a:schemeClr>
+                </a:solidFill>
+                <a:latin typeface="+mj-lt"/>
+                <a:cs typeface="Lato Semibold" panose="020F0502020204030203" pitchFamily="34" charset="0"/>
+              </a:rPr>
+              <a:t>Applications as emulsifiers, wetting agents, detergents, foaming agents, or dispersants.</a:t>
+            </a:r>
+            <a:endParaRPr lang="en-US" sz="2000" dirty="0">
+              <a:solidFill>
+                <a:schemeClr val="tx1">
+                  <a:lumMod val="75000"/>
+                  <a:lumOff val="25000"/>
+                </a:schemeClr>
+              </a:solidFill>
+              <a:latin typeface="+mj-lt"/>
+              <a:cs typeface="Lato Semibold" panose="020F0502020204030203" pitchFamily="34" charset="0"/>
+              <a:sym typeface="Helvetica"/>
+            </a:endParaRPr>
+          </a:p>
+        </p:txBody>
+      </p:sp>
+      <p:sp>
+        <p:nvSpPr>
+          <p:cNvPr id="7" name="Two ways to manage heat in a larger stack…">
+            <a:extLst>
+              <a:ext uri="{FF2B5EF4-FFF2-40B4-BE49-F238E27FC236}">
+                <a16:creationId xmlns:a16="http://schemas.microsoft.com/office/drawing/2014/main" id="{66894727-7B85-8EFC-368F-4668F513AF90}"/>
+              </a:ext>
+            </a:extLst>
+          </p:cNvPr>
+          <p:cNvSpPr txBox="1"/>
+          <p:nvPr/>
+        </p:nvSpPr>
+        <p:spPr>
+          <a:xfrm>
+            <a:off x="838200" y="2930163"/>
+            <a:ext cx="7013682" cy="974626"/>
+          </a:xfrm>
+          <a:prstGeom prst="rect">
+            <a:avLst/>
+          </a:prstGeom>
+          <a:ln w="12700">
+            <a:miter lim="400000"/>
+          </a:ln>
+          <a:extLst>
+            <a:ext uri="{C572A759-6A51-4108-AA02-DFA0A04FC94B}">
+              <ma14:wrappingTextBoxFlag xmlns="" xmlns:m="http://schemas.openxmlformats.org/officeDocument/2006/math" xmlns:a14="http://schemas.microsoft.com/office/drawing/2010/main" xmlns:ma14="http://schemas.microsoft.com/office/mac/drawingml/2011/main" val="1"/>
+            </a:ext>
+          </a:extLst>
+        </p:spPr>
+        <p:txBody>
+          <a:bodyPr wrap="square" lIns="25400" tIns="25400" rIns="25400" bIns="25400" anchor="ctr">
+            <a:spAutoFit/>
+          </a:bodyPr>
+          <a:lstStyle/>
+          <a:p>
+            <a:pPr marL="173038" indent="-173038" defTabSz="292100">
+              <a:buSzPct val="100000"/>
+              <a:buFont typeface="Arial" panose="020B0604020202020204" pitchFamily="34" charset="0"/>
+              <a:buChar char="•"/>
+              <a:defRPr sz="4200">
+                <a:solidFill>
+                  <a:srgbClr val="4BACC6">
+                    <a:hueOff val="-82419"/>
+                    <a:satOff val="-9513"/>
+                    <a:lumOff val="-16343"/>
+                  </a:srgbClr>
+                </a:solidFill>
+                <a:latin typeface="Helvetica"/>
+                <a:ea typeface="Helvetica"/>
+                <a:cs typeface="Helvetica"/>
+                <a:sym typeface="Helvetica"/>
+              </a:defRPr>
+            </a:pPr>
+            <a:r>
+              <a:rPr lang="en-US" sz="2000" dirty="0">
+                <a:solidFill>
+                  <a:schemeClr val="tx1">
+                    <a:lumMod val="75000"/>
+                    <a:lumOff val="25000"/>
+                  </a:schemeClr>
+                </a:solidFill>
+                <a:latin typeface="+mj-lt"/>
+                <a:cs typeface="Lato Semibold" panose="020F0502020204030203" pitchFamily="34" charset="0"/>
+              </a:rPr>
+              <a:t>In a pure aqueous solution or oil/water mixture, they behaves such that the hydrophobic tails repels water while the hydrophilic head expose to water. </a:t>
+            </a:r>
+            <a:endParaRPr lang="en-US" sz="2000" dirty="0">
+              <a:solidFill>
+                <a:schemeClr val="tx1">
+                  <a:lumMod val="75000"/>
+                  <a:lumOff val="25000"/>
+                </a:schemeClr>
+              </a:solidFill>
+              <a:latin typeface="+mj-lt"/>
+              <a:cs typeface="Lato Semibold" panose="020F0502020204030203" pitchFamily="34" charset="0"/>
+              <a:sym typeface="Helvetica"/>
+            </a:endParaRPr>
+          </a:p>
+        </p:txBody>
+      </p:sp>
+      <p:pic>
+        <p:nvPicPr>
+          <p:cNvPr id="1030" name="Picture 6" descr="left) Adsorption of surfactant molecules at the oil-water... | Download  Scientific Diagram">
+            <a:extLst>
+              <a:ext uri="{FF2B5EF4-FFF2-40B4-BE49-F238E27FC236}">
+                <a16:creationId xmlns:a16="http://schemas.microsoft.com/office/drawing/2014/main" id="{D08708D7-9C7C-7B3E-067F-56934A385F8E}"/>
+              </a:ext>
+            </a:extLst>
+          </p:cNvPr>
+          <p:cNvPicPr>
+            <a:picLocks noChangeAspect="1" noChangeArrowheads="1"/>
+          </p:cNvPicPr>
+          <p:nvPr/>
+        </p:nvPicPr>
+        <p:blipFill>
+          <a:blip r:embed="rId4">
+            <a:extLst>
+              <a:ext uri="{28A0092B-C50C-407E-A947-70E740481C1C}">
+                <a14:useLocalDpi xmlns:a14="http://schemas.microsoft.com/office/drawing/2010/main" val="0"/>
+              </a:ext>
+            </a:extLst>
+          </a:blip>
+          <a:srcRect/>
+          <a:stretch>
+            <a:fillRect/>
+          </a:stretch>
+        </p:blipFill>
+        <p:spPr bwMode="auto">
+          <a:xfrm>
+            <a:off x="5121683" y="4015714"/>
+            <a:ext cx="3295970" cy="1825825"/>
+          </a:xfrm>
+          <a:prstGeom prst="rect">
+            <a:avLst/>
+          </a:prstGeom>
+          <a:noFill/>
+          <a:extLst>
+            <a:ext uri="{909E8E84-426E-40DD-AFC4-6F175D3DCCD1}">
+              <a14:hiddenFill xmlns:a14="http://schemas.microsoft.com/office/drawing/2010/main">
+                <a:solidFill>
+                  <a:srgbClr val="FFFFFF"/>
+                </a:solidFill>
+              </a14:hiddenFill>
+            </a:ext>
+          </a:extLst>
+        </p:spPr>
+      </p:pic>
     </p:spTree>
     <p:extLst>
       <p:ext uri="{BB962C8B-B14F-4D97-AF65-F5344CB8AC3E}">
@@ -4286,8 +4585,8 @@
         </p:nvSpPr>
         <p:spPr>
           <a:xfrm>
-            <a:off x="0" y="-5691"/>
-            <a:ext cx="10515600" cy="1325563"/>
+            <a:off x="0" y="2515"/>
+            <a:ext cx="10243367" cy="1325563"/>
           </a:xfrm>
         </p:spPr>
         <p:txBody>
@@ -4299,7 +4598,7 @@
             <a:pPr indent="228600"/>
             <a:r>
               <a:rPr lang="en-US" sz="4000" dirty="0"/>
-              <a:t>Heavy duty vehicles (HDV)</a:t>
+              <a:t>Motivation &amp; Aim</a:t>
             </a:r>
           </a:p>
         </p:txBody>
@@ -4335,10 +4634,67 @@
       </p:sp>
       <p:sp>
         <p:nvSpPr>
-          <p:cNvPr id="66" name="Two ways to manage heat in a larger stack…">
-            <a:extLst>
-              <a:ext uri="{FF2B5EF4-FFF2-40B4-BE49-F238E27FC236}">
-                <a16:creationId xmlns:a16="http://schemas.microsoft.com/office/drawing/2014/main" id="{399AB500-B4FC-47B9-ACF0-EE8C3CB3E93E}"/>
+          <p:cNvPr id="5" name="Date Placeholder 4">
+            <a:extLst>
+              <a:ext uri="{FF2B5EF4-FFF2-40B4-BE49-F238E27FC236}">
+                <a16:creationId xmlns:a16="http://schemas.microsoft.com/office/drawing/2014/main" id="{CF24239E-B3BC-4111-B9A3-B5FC12645457}"/>
+              </a:ext>
+            </a:extLst>
+          </p:cNvPr>
+          <p:cNvSpPr>
+            <a:spLocks noGrp="1"/>
+          </p:cNvSpPr>
+          <p:nvPr>
+            <p:ph type="dt" sz="half" idx="10"/>
+          </p:nvPr>
+        </p:nvSpPr>
+        <p:spPr/>
+        <p:txBody>
+          <a:bodyPr/>
+          <a:lstStyle/>
+          <a:p>
+            <a:fld id="{DC55DF7D-0BC3-B94E-878D-FB685BC45A56}" type="datetime1">
+              <a:rPr lang="en-US" smtClean="0"/>
+              <a:t>4/2/23</a:t>
+            </a:fld>
+            <a:endParaRPr lang="en-US"/>
+          </a:p>
+        </p:txBody>
+      </p:sp>
+      <p:sp>
+        <p:nvSpPr>
+          <p:cNvPr id="6" name="Footer Placeholder 5">
+            <a:extLst>
+              <a:ext uri="{FF2B5EF4-FFF2-40B4-BE49-F238E27FC236}">
+                <a16:creationId xmlns:a16="http://schemas.microsoft.com/office/drawing/2014/main" id="{47FD7281-7FB7-4298-9D8E-373BBA69DD0C}"/>
+              </a:ext>
+            </a:extLst>
+          </p:cNvPr>
+          <p:cNvSpPr>
+            <a:spLocks noGrp="1"/>
+          </p:cNvSpPr>
+          <p:nvPr>
+            <p:ph type="ftr" sz="quarter" idx="11"/>
+          </p:nvPr>
+        </p:nvSpPr>
+        <p:spPr/>
+        <p:txBody>
+          <a:bodyPr/>
+          <a:lstStyle/>
+          <a:p>
+            <a:r>
+              <a:rPr lang="en-US"/>
+              <a:t>Teslim, Toheeb &amp; Chidera (2023)</a:t>
+            </a:r>
+          </a:p>
+        </p:txBody>
+      </p:sp>
+      <p:sp>
+        <p:nvSpPr>
+          <p:cNvPr id="3" name="Two ways to manage heat in a larger stack…">
+            <a:extLst>
+              <a:ext uri="{FF2B5EF4-FFF2-40B4-BE49-F238E27FC236}">
+                <a16:creationId xmlns:a16="http://schemas.microsoft.com/office/drawing/2014/main" id="{DD6F2561-B89C-D3D9-B3E7-2187CDBC5007}"/>
               </a:ext>
             </a:extLst>
           </p:cNvPr>
@@ -4347,8 +4703,8 @@
         </p:nvSpPr>
         <p:spPr>
           <a:xfrm>
-            <a:off x="692151" y="4383972"/>
-            <a:ext cx="7013682" cy="974626"/>
+            <a:off x="811573" y="1789742"/>
+            <a:ext cx="7013682" cy="359073"/>
           </a:xfrm>
           <a:prstGeom prst="rect">
             <a:avLst/>
@@ -4387,7 +4743,7 @@
               </a:defRPr>
             </a:pPr>
             <a:r>
-              <a:rPr lang="en-US" sz="2000" dirty="0" err="1">
+              <a:rPr lang="en-US" sz="2000" dirty="0">
                 <a:solidFill>
                   <a:schemeClr val="tx1">
                     <a:lumMod val="75000"/>
@@ -4395,11 +4751,9 @@
                   </a:schemeClr>
                 </a:solidFill>
                 <a:latin typeface="+mj-lt"/>
-                <a:ea typeface="Lato Semibold" panose="020F0502020204030203" pitchFamily="34" charset="0"/>
                 <a:cs typeface="Lato Semibold" panose="020F0502020204030203" pitchFamily="34" charset="0"/>
-                <a:sym typeface="Helvetica"/>
               </a:rPr>
-              <a:t>Xxx</a:t>
+              <a:t>Understand the</a:t>
             </a:r>
             <a:endParaRPr lang="en-US" sz="2000" dirty="0">
               <a:solidFill>
@@ -4409,299 +4763,16 @@
                 </a:schemeClr>
               </a:solidFill>
               <a:latin typeface="+mj-lt"/>
-              <a:ea typeface="Lato Semibold" panose="020F0502020204030203" pitchFamily="34" charset="0"/>
               <a:cs typeface="Lato Semibold" panose="020F0502020204030203" pitchFamily="34" charset="0"/>
               <a:sym typeface="Helvetica"/>
             </a:endParaRPr>
           </a:p>
-          <a:p>
-            <a:pPr marL="173038" indent="-173038" defTabSz="292100">
-              <a:buSzPct val="100000"/>
-              <a:buFont typeface="Arial" panose="020B0604020202020204" pitchFamily="34" charset="0"/>
-              <a:buChar char="•"/>
-              <a:defRPr sz="4200">
-                <a:solidFill>
-                  <a:srgbClr val="4BACC6">
-                    <a:hueOff val="-82419"/>
-                    <a:satOff val="-9513"/>
-                    <a:lumOff val="-16343"/>
-                  </a:srgbClr>
-                </a:solidFill>
-                <a:latin typeface="Helvetica"/>
-                <a:ea typeface="Helvetica"/>
-                <a:cs typeface="Helvetica"/>
-                <a:sym typeface="Helvetica"/>
-              </a:defRPr>
-            </a:pPr>
-            <a:r>
-              <a:rPr lang="en-US" sz="2000" dirty="0" err="1">
-                <a:solidFill>
-                  <a:schemeClr val="tx1">
-                    <a:lumMod val="75000"/>
-                    <a:lumOff val="25000"/>
-                  </a:schemeClr>
-                </a:solidFill>
-                <a:latin typeface="+mj-lt"/>
-                <a:ea typeface="Lato Semibold" panose="020F0502020204030203" pitchFamily="34" charset="0"/>
-                <a:cs typeface="Lato Semibold" panose="020F0502020204030203" pitchFamily="34" charset="0"/>
-                <a:sym typeface="Helvetica"/>
-              </a:rPr>
-              <a:t>Xxxx</a:t>
-            </a:r>
-            <a:endParaRPr lang="en-US" sz="2000" dirty="0">
-              <a:solidFill>
-                <a:schemeClr val="tx1">
-                  <a:lumMod val="75000"/>
-                  <a:lumOff val="25000"/>
-                </a:schemeClr>
-              </a:solidFill>
-              <a:latin typeface="+mj-lt"/>
-              <a:ea typeface="Lato Semibold" panose="020F0502020204030203" pitchFamily="34" charset="0"/>
-              <a:cs typeface="Lato Semibold" panose="020F0502020204030203" pitchFamily="34" charset="0"/>
-              <a:sym typeface="Helvetica"/>
-            </a:endParaRPr>
-          </a:p>
-          <a:p>
-            <a:pPr marL="173038" indent="-173038" defTabSz="292100">
-              <a:buSzPct val="100000"/>
-              <a:buFont typeface="Arial" panose="020B0604020202020204" pitchFamily="34" charset="0"/>
-              <a:buChar char="•"/>
-              <a:defRPr sz="4200">
-                <a:solidFill>
-                  <a:srgbClr val="4BACC6">
-                    <a:hueOff val="-82419"/>
-                    <a:satOff val="-9513"/>
-                    <a:lumOff val="-16343"/>
-                  </a:srgbClr>
-                </a:solidFill>
-                <a:latin typeface="Helvetica"/>
-                <a:ea typeface="Helvetica"/>
-                <a:cs typeface="Helvetica"/>
-                <a:sym typeface="Helvetica"/>
-              </a:defRPr>
-            </a:pPr>
-            <a:r>
-              <a:rPr lang="en-US" sz="2000" dirty="0" err="1">
-                <a:solidFill>
-                  <a:schemeClr val="tx1">
-                    <a:lumMod val="75000"/>
-                    <a:lumOff val="25000"/>
-                  </a:schemeClr>
-                </a:solidFill>
-                <a:latin typeface="+mj-lt"/>
-                <a:ea typeface="Lato Semibold" panose="020F0502020204030203" pitchFamily="34" charset="0"/>
-                <a:cs typeface="Lato Semibold" panose="020F0502020204030203" pitchFamily="34" charset="0"/>
-                <a:sym typeface="Helvetica"/>
-              </a:rPr>
-              <a:t>xxxx</a:t>
-            </a:r>
-            <a:endParaRPr lang="en-US" sz="2000" dirty="0">
-              <a:solidFill>
-                <a:schemeClr val="tx1">
-                  <a:lumMod val="75000"/>
-                  <a:lumOff val="25000"/>
-                </a:schemeClr>
-              </a:solidFill>
-              <a:latin typeface="+mj-lt"/>
-              <a:ea typeface="Lato Semibold" panose="020F0502020204030203" pitchFamily="34" charset="0"/>
-              <a:cs typeface="Lato Semibold" panose="020F0502020204030203" pitchFamily="34" charset="0"/>
-              <a:sym typeface="Helvetica"/>
-            </a:endParaRPr>
-          </a:p>
-        </p:txBody>
-      </p:sp>
-      <p:sp>
-        <p:nvSpPr>
-          <p:cNvPr id="67" name="TextBox 66">
-            <a:extLst>
-              <a:ext uri="{FF2B5EF4-FFF2-40B4-BE49-F238E27FC236}">
-                <a16:creationId xmlns:a16="http://schemas.microsoft.com/office/drawing/2014/main" id="{F39CFC02-A4BB-4803-AD94-0AAB0A3C709E}"/>
-              </a:ext>
-            </a:extLst>
-          </p:cNvPr>
-          <p:cNvSpPr txBox="1"/>
-          <p:nvPr/>
-        </p:nvSpPr>
-        <p:spPr>
-          <a:xfrm>
-            <a:off x="838200" y="5979759"/>
-            <a:ext cx="3972562" cy="461665"/>
-          </a:xfrm>
-          <a:prstGeom prst="rect">
-            <a:avLst/>
-          </a:prstGeom>
-          <a:noFill/>
-        </p:spPr>
-        <p:txBody>
-          <a:bodyPr wrap="none" rtlCol="0">
-            <a:spAutoFit/>
-          </a:bodyPr>
-          <a:lstStyle/>
-          <a:p>
-            <a:pPr>
-              <a:defRPr b="0">
-                <a:solidFill>
-                  <a:schemeClr val="accent4">
-                    <a:hueOff val="-1081314"/>
-                    <a:satOff val="4338"/>
-                    <a:lumOff val="-8931"/>
-                  </a:schemeClr>
-                </a:solidFill>
-              </a:defRPr>
-            </a:pPr>
-            <a:r>
-              <a:rPr lang="en-US" sz="1200" dirty="0">
-                <a:solidFill>
-                  <a:srgbClr val="000000"/>
-                </a:solidFill>
-                <a:latin typeface="+mj-lt"/>
-              </a:rPr>
-              <a:t>F. Wagner, M. Mathias, J. Phys. Chem. Lett. (2010)</a:t>
-            </a:r>
-          </a:p>
-          <a:p>
-            <a:pPr>
-              <a:defRPr b="0">
-                <a:solidFill>
-                  <a:schemeClr val="accent4">
-                    <a:hueOff val="-1081314"/>
-                    <a:satOff val="4338"/>
-                    <a:lumOff val="-8931"/>
-                  </a:schemeClr>
-                </a:solidFill>
-              </a:defRPr>
-            </a:pPr>
-            <a:r>
-              <a:rPr lang="en-US" sz="1200" dirty="0">
-                <a:solidFill>
-                  <a:srgbClr val="000000"/>
-                </a:solidFill>
-                <a:latin typeface="+mj-lt"/>
-              </a:rPr>
-              <a:t>V. </a:t>
-            </a:r>
-            <a:r>
-              <a:rPr lang="en-US" sz="1200" dirty="0" err="1">
-                <a:solidFill>
-                  <a:srgbClr val="000000"/>
-                </a:solidFill>
-                <a:latin typeface="+mj-lt"/>
-              </a:rPr>
-              <a:t>Murthi</a:t>
-            </a:r>
-            <a:r>
-              <a:rPr lang="en-US" sz="1200" dirty="0">
-                <a:solidFill>
-                  <a:srgbClr val="000000"/>
-                </a:solidFill>
-                <a:latin typeface="+mj-lt"/>
-              </a:rPr>
-              <a:t>, US DOE HTPEM Workshop, Nikola Motor (2020)</a:t>
-            </a:r>
-          </a:p>
-        </p:txBody>
-      </p:sp>
-      <p:sp>
-        <p:nvSpPr>
-          <p:cNvPr id="5" name="Date Placeholder 4">
-            <a:extLst>
-              <a:ext uri="{FF2B5EF4-FFF2-40B4-BE49-F238E27FC236}">
-                <a16:creationId xmlns:a16="http://schemas.microsoft.com/office/drawing/2014/main" id="{64C38C78-C8B8-494E-8EF6-B74ADB491C5A}"/>
-              </a:ext>
-            </a:extLst>
-          </p:cNvPr>
-          <p:cNvSpPr>
-            <a:spLocks noGrp="1"/>
-          </p:cNvSpPr>
-          <p:nvPr>
-            <p:ph type="dt" sz="half" idx="10"/>
-          </p:nvPr>
-        </p:nvSpPr>
-        <p:spPr/>
-        <p:txBody>
-          <a:bodyPr/>
-          <a:lstStyle/>
-          <a:p>
-            <a:fld id="{F0A827A7-0E4C-D948-B1E4-DAA56BEE69B7}" type="datetime1">
-              <a:rPr lang="en-US" smtClean="0"/>
-              <a:t>4/1/23</a:t>
-            </a:fld>
-            <a:endParaRPr lang="en-US"/>
-          </a:p>
-        </p:txBody>
-      </p:sp>
-      <p:sp>
-        <p:nvSpPr>
-          <p:cNvPr id="7" name="Footer Placeholder 6">
-            <a:extLst>
-              <a:ext uri="{FF2B5EF4-FFF2-40B4-BE49-F238E27FC236}">
-                <a16:creationId xmlns:a16="http://schemas.microsoft.com/office/drawing/2014/main" id="{30B15602-E830-4FA4-9F5D-A55380FF35E0}"/>
-              </a:ext>
-            </a:extLst>
-          </p:cNvPr>
-          <p:cNvSpPr>
-            <a:spLocks noGrp="1"/>
-          </p:cNvSpPr>
-          <p:nvPr>
-            <p:ph type="ftr" sz="quarter" idx="11"/>
-          </p:nvPr>
-        </p:nvSpPr>
-        <p:spPr/>
-        <p:txBody>
-          <a:bodyPr/>
-          <a:lstStyle/>
-          <a:p>
-            <a:r>
-              <a:rPr lang="en-US"/>
-              <a:t>Teslim, Toheeb &amp; Chidera (2023)</a:t>
-            </a:r>
-          </a:p>
-        </p:txBody>
-      </p:sp>
-      <p:sp>
-        <p:nvSpPr>
-          <p:cNvPr id="13" name="TextBox 12">
-            <a:extLst>
-              <a:ext uri="{FF2B5EF4-FFF2-40B4-BE49-F238E27FC236}">
-                <a16:creationId xmlns:a16="http://schemas.microsoft.com/office/drawing/2014/main" id="{28FC2B82-94E7-4F6D-9A14-1A355152278C}"/>
-              </a:ext>
-            </a:extLst>
-          </p:cNvPr>
-          <p:cNvSpPr txBox="1"/>
-          <p:nvPr/>
-        </p:nvSpPr>
-        <p:spPr>
-          <a:xfrm>
-            <a:off x="3581400" y="3358259"/>
-            <a:ext cx="3225800" cy="369332"/>
-          </a:xfrm>
-          <a:prstGeom prst="rect">
-            <a:avLst/>
-          </a:prstGeom>
-          <a:noFill/>
-        </p:spPr>
-        <p:txBody>
-          <a:bodyPr wrap="square" rtlCol="0">
-            <a:spAutoFit/>
-          </a:bodyPr>
-          <a:lstStyle/>
-          <a:p>
-            <a:r>
-              <a:rPr lang="en-US" dirty="0">
-                <a:solidFill>
-                  <a:schemeClr val="bg1"/>
-                </a:solidFill>
-                <a:latin typeface="+mj-lt"/>
-              </a:rPr>
-              <a:t>Hyundai HDC-6 Neptune truck</a:t>
-            </a:r>
-          </a:p>
         </p:txBody>
       </p:sp>
     </p:spTree>
     <p:extLst>
       <p:ext uri="{BB962C8B-B14F-4D97-AF65-F5344CB8AC3E}">
-        <p14:creationId xmlns:p14="http://schemas.microsoft.com/office/powerpoint/2010/main" val="1238211257"/>
+        <p14:creationId xmlns:p14="http://schemas.microsoft.com/office/powerpoint/2010/main" val="3455077460"/>
       </p:ext>
     </p:extLst>
   </p:cSld>
@@ -4733,7 +4804,7 @@
           <p:cNvPr id="2" name="Title 1">
             <a:extLst>
               <a:ext uri="{FF2B5EF4-FFF2-40B4-BE49-F238E27FC236}">
-                <a16:creationId xmlns:a16="http://schemas.microsoft.com/office/drawing/2014/main" id="{D983F550-2C84-467C-BD13-A054AC383FE4}"/>
+                <a16:creationId xmlns:a16="http://schemas.microsoft.com/office/drawing/2014/main" id="{8F995DB5-DC9A-4ECB-9FE3-093EA9D53127}"/>
               </a:ext>
             </a:extLst>
           </p:cNvPr>
@@ -4746,8 +4817,8 @@
         </p:nvSpPr>
         <p:spPr>
           <a:xfrm>
-            <a:off x="0" y="0"/>
-            <a:ext cx="10515600" cy="1325563"/>
+            <a:off x="0" y="2515"/>
+            <a:ext cx="10243367" cy="1325563"/>
           </a:xfrm>
         </p:spPr>
         <p:txBody>
@@ -4759,78 +4830,25 @@
             <a:pPr indent="228600"/>
             <a:r>
               <a:rPr lang="en-US" sz="4000" dirty="0"/>
-              <a:t>Conclusions</a:t>
-            </a:r>
-          </a:p>
-        </p:txBody>
-      </p:sp>
-      <p:sp>
-        <p:nvSpPr>
-          <p:cNvPr id="4" name="Content Placeholder 3">
-            <a:extLst>
-              <a:ext uri="{FF2B5EF4-FFF2-40B4-BE49-F238E27FC236}">
-                <a16:creationId xmlns:a16="http://schemas.microsoft.com/office/drawing/2014/main" id="{EC64FB5D-B98A-4CB8-96F3-5AA415857F1F}"/>
-              </a:ext>
-            </a:extLst>
-          </p:cNvPr>
-          <p:cNvSpPr>
-            <a:spLocks noGrp="1"/>
-          </p:cNvSpPr>
-          <p:nvPr>
-            <p:ph idx="1"/>
-          </p:nvPr>
-        </p:nvSpPr>
-        <p:spPr>
-          <a:xfrm>
-            <a:off x="838200" y="1531949"/>
-            <a:ext cx="10515600" cy="4351338"/>
-          </a:xfrm>
-        </p:spPr>
-        <p:txBody>
-          <a:bodyPr/>
-          <a:lstStyle/>
-          <a:p>
-            <a:r>
-              <a:rPr lang="en-US" dirty="0" err="1">
-                <a:latin typeface="HellschreiberSansW00-Bold" panose="02000806000000020003" pitchFamily="2" charset="0"/>
-              </a:rPr>
-              <a:t>Xxxx</a:t>
-            </a:r>
-            <a:endParaRPr lang="en-US" dirty="0">
-              <a:latin typeface="HellschreiberSansW00-Bold" panose="02000806000000020003" pitchFamily="2" charset="0"/>
-            </a:endParaRPr>
-          </a:p>
-          <a:p>
-            <a:r>
-              <a:rPr lang="en-US" dirty="0" err="1">
-                <a:latin typeface="HellschreiberSansW00-Bold" panose="02000806000000020003" pitchFamily="2" charset="0"/>
-                <a:ea typeface="Lato Semibold" panose="020F0502020204030203" pitchFamily="34" charset="0"/>
-                <a:cs typeface="Lato Semibold" panose="020F0502020204030203" pitchFamily="34" charset="0"/>
-              </a:rPr>
-              <a:t>xxxx</a:t>
-            </a:r>
-            <a:endParaRPr lang="en-US" dirty="0">
-              <a:latin typeface="HellschreiberSansW00-Bold" panose="02000806000000020003" pitchFamily="2" charset="0"/>
-              <a:ea typeface="Lato Semibold" panose="020F0502020204030203" pitchFamily="34" charset="0"/>
-              <a:cs typeface="Lato Semibold" panose="020F0502020204030203" pitchFamily="34" charset="0"/>
-            </a:endParaRPr>
-          </a:p>
-        </p:txBody>
-      </p:sp>
-      <p:sp>
-        <p:nvSpPr>
-          <p:cNvPr id="7" name="Date Placeholder 6">
-            <a:extLst>
-              <a:ext uri="{FF2B5EF4-FFF2-40B4-BE49-F238E27FC236}">
-                <a16:creationId xmlns:a16="http://schemas.microsoft.com/office/drawing/2014/main" id="{DF8EB1B5-20AE-4AE0-989D-673B9893A2D4}"/>
-              </a:ext>
-            </a:extLst>
-          </p:cNvPr>
-          <p:cNvSpPr>
-            <a:spLocks noGrp="1"/>
-          </p:cNvSpPr>
-          <p:nvPr>
-            <p:ph type="dt" sz="half" idx="10"/>
+              <a:t>Our approach</a:t>
+            </a:r>
+          </a:p>
+        </p:txBody>
+      </p:sp>
+      <p:sp>
+        <p:nvSpPr>
+          <p:cNvPr id="4" name="Slide Number Placeholder 3">
+            <a:extLst>
+              <a:ext uri="{FF2B5EF4-FFF2-40B4-BE49-F238E27FC236}">
+                <a16:creationId xmlns:a16="http://schemas.microsoft.com/office/drawing/2014/main" id="{D88C6115-991E-40A5-814F-835E6F2E1763}"/>
+              </a:ext>
+            </a:extLst>
+          </p:cNvPr>
+          <p:cNvSpPr>
+            <a:spLocks noGrp="1"/>
+          </p:cNvSpPr>
+          <p:nvPr>
+            <p:ph type="sldNum" sz="quarter" idx="12"/>
           </p:nvPr>
         </p:nvSpPr>
         <p:spPr/>
@@ -4838,91 +4856,173 @@
           <a:bodyPr/>
           <a:lstStyle/>
           <a:p>
-            <a:fld id="{0BDD9616-256E-E942-9633-3C7CBF417651}" type="datetime1">
-              <a:rPr lang="en-US" smtClean="0"/>
-              <a:t>4/1/23</a:t>
-            </a:fld>
-            <a:endParaRPr lang="en-US"/>
-          </a:p>
-        </p:txBody>
-      </p:sp>
-      <p:sp>
-        <p:nvSpPr>
-          <p:cNvPr id="9" name="Footer Placeholder 8">
-            <a:extLst>
-              <a:ext uri="{FF2B5EF4-FFF2-40B4-BE49-F238E27FC236}">
-                <a16:creationId xmlns:a16="http://schemas.microsoft.com/office/drawing/2014/main" id="{49CF676F-E8B5-4E7D-BFB9-329F95CD7E11}"/>
-              </a:ext>
-            </a:extLst>
-          </p:cNvPr>
-          <p:cNvSpPr>
-            <a:spLocks noGrp="1"/>
-          </p:cNvSpPr>
-          <p:nvPr>
-            <p:ph type="ftr" sz="quarter" idx="11"/>
-          </p:nvPr>
-        </p:nvSpPr>
-        <p:spPr/>
-        <p:txBody>
-          <a:bodyPr/>
-          <a:lstStyle/>
-          <a:p>
-            <a:r>
-              <a:rPr lang="en-US" dirty="0"/>
-              <a:t>Teslim, </a:t>
-            </a:r>
-            <a:r>
-              <a:rPr lang="en-US" dirty="0" err="1"/>
-              <a:t>Toheeb</a:t>
-            </a:r>
-            <a:r>
-              <a:rPr lang="en-US" dirty="0"/>
-              <a:t> &amp; </a:t>
-            </a:r>
-            <a:r>
-              <a:rPr lang="en-US" dirty="0" err="1"/>
-              <a:t>Chidera</a:t>
-            </a:r>
-            <a:r>
-              <a:rPr lang="en-US" dirty="0"/>
-              <a:t> (2023)</a:t>
-            </a:r>
-          </a:p>
-        </p:txBody>
-      </p:sp>
-      <p:sp>
-        <p:nvSpPr>
-          <p:cNvPr id="10" name="Slide Number Placeholder 9">
-            <a:extLst>
-              <a:ext uri="{FF2B5EF4-FFF2-40B4-BE49-F238E27FC236}">
-                <a16:creationId xmlns:a16="http://schemas.microsoft.com/office/drawing/2014/main" id="{F2832F50-1529-4E29-8083-2F35EA46C596}"/>
-              </a:ext>
-            </a:extLst>
-          </p:cNvPr>
-          <p:cNvSpPr>
-            <a:spLocks noGrp="1"/>
-          </p:cNvSpPr>
-          <p:nvPr>
-            <p:ph type="sldNum" sz="quarter" idx="12"/>
-          </p:nvPr>
-        </p:nvSpPr>
-        <p:spPr/>
-        <p:txBody>
-          <a:bodyPr/>
-          <a:lstStyle/>
-          <a:p>
-            <a:fld id="{942C9DA0-36EC-4E11-8BF2-93E96EE618ED}" type="slidenum">
+            <a:fld id="{D9FC06F5-072E-466B-AC6C-4B8FBC37ADD3}" type="slidenum">
               <a:rPr lang="en-US" smtClean="0"/>
               <a:t>4</a:t>
             </a:fld>
-            <a:endParaRPr lang="en-US" dirty="0"/>
+            <a:endParaRPr lang="en-US"/>
+          </a:p>
+        </p:txBody>
+      </p:sp>
+      <p:sp>
+        <p:nvSpPr>
+          <p:cNvPr id="5" name="Date Placeholder 4">
+            <a:extLst>
+              <a:ext uri="{FF2B5EF4-FFF2-40B4-BE49-F238E27FC236}">
+                <a16:creationId xmlns:a16="http://schemas.microsoft.com/office/drawing/2014/main" id="{CF24239E-B3BC-4111-B9A3-B5FC12645457}"/>
+              </a:ext>
+            </a:extLst>
+          </p:cNvPr>
+          <p:cNvSpPr>
+            <a:spLocks noGrp="1"/>
+          </p:cNvSpPr>
+          <p:nvPr>
+            <p:ph type="dt" sz="half" idx="10"/>
+          </p:nvPr>
+        </p:nvSpPr>
+        <p:spPr/>
+        <p:txBody>
+          <a:bodyPr/>
+          <a:lstStyle/>
+          <a:p>
+            <a:fld id="{DC55DF7D-0BC3-B94E-878D-FB685BC45A56}" type="datetime1">
+              <a:rPr lang="en-US" smtClean="0"/>
+              <a:t>4/2/23</a:t>
+            </a:fld>
+            <a:endParaRPr lang="en-US"/>
+          </a:p>
+        </p:txBody>
+      </p:sp>
+      <p:sp>
+        <p:nvSpPr>
+          <p:cNvPr id="6" name="Footer Placeholder 5">
+            <a:extLst>
+              <a:ext uri="{FF2B5EF4-FFF2-40B4-BE49-F238E27FC236}">
+                <a16:creationId xmlns:a16="http://schemas.microsoft.com/office/drawing/2014/main" id="{47FD7281-7FB7-4298-9D8E-373BBA69DD0C}"/>
+              </a:ext>
+            </a:extLst>
+          </p:cNvPr>
+          <p:cNvSpPr>
+            <a:spLocks noGrp="1"/>
+          </p:cNvSpPr>
+          <p:nvPr>
+            <p:ph type="ftr" sz="quarter" idx="11"/>
+          </p:nvPr>
+        </p:nvSpPr>
+        <p:spPr/>
+        <p:txBody>
+          <a:bodyPr/>
+          <a:lstStyle/>
+          <a:p>
+            <a:r>
+              <a:rPr lang="en-US"/>
+              <a:t>Teslim, Toheeb &amp; Chidera (2023)</a:t>
+            </a:r>
+          </a:p>
+        </p:txBody>
+      </p:sp>
+      <p:sp>
+        <p:nvSpPr>
+          <p:cNvPr id="7" name="Rectangle 6">
+            <a:extLst>
+              <a:ext uri="{FF2B5EF4-FFF2-40B4-BE49-F238E27FC236}">
+                <a16:creationId xmlns:a16="http://schemas.microsoft.com/office/drawing/2014/main" id="{425F3CDB-A995-F5BF-BAAC-27FC076223E3}"/>
+              </a:ext>
+            </a:extLst>
+          </p:cNvPr>
+          <p:cNvSpPr/>
+          <p:nvPr/>
+        </p:nvSpPr>
+        <p:spPr>
+          <a:xfrm>
+            <a:off x="2511380" y="2614411"/>
+            <a:ext cx="1390919" cy="476519"/>
+          </a:xfrm>
+          <a:prstGeom prst="rect">
+            <a:avLst/>
+          </a:prstGeom>
+        </p:spPr>
+        <p:style>
+          <a:lnRef idx="2">
+            <a:schemeClr val="accent1">
+              <a:shade val="50000"/>
+            </a:schemeClr>
+          </a:lnRef>
+          <a:fillRef idx="1">
+            <a:schemeClr val="accent1"/>
+          </a:fillRef>
+          <a:effectRef idx="0">
+            <a:schemeClr val="accent1"/>
+          </a:effectRef>
+          <a:fontRef idx="minor">
+            <a:schemeClr val="lt1"/>
+          </a:fontRef>
+        </p:style>
+        <p:txBody>
+          <a:bodyPr rtlCol="0" anchor="ctr"/>
+          <a:lstStyle/>
+          <a:p>
+            <a:pPr algn="ctr"/>
+            <a:r>
+              <a:rPr lang="en-US" dirty="0"/>
+              <a:t>Create Topology</a:t>
+            </a:r>
+          </a:p>
+        </p:txBody>
+      </p:sp>
+      <p:sp>
+        <p:nvSpPr>
+          <p:cNvPr id="8" name="Rectangle 7">
+            <a:extLst>
+              <a:ext uri="{FF2B5EF4-FFF2-40B4-BE49-F238E27FC236}">
+                <a16:creationId xmlns:a16="http://schemas.microsoft.com/office/drawing/2014/main" id="{33391C7C-0775-DF5A-DA23-8887EC9611A0}"/>
+              </a:ext>
+            </a:extLst>
+          </p:cNvPr>
+          <p:cNvSpPr/>
+          <p:nvPr/>
+        </p:nvSpPr>
+        <p:spPr>
+          <a:xfrm>
+            <a:off x="6135710" y="2612914"/>
+            <a:ext cx="1390919" cy="476519"/>
+          </a:xfrm>
+          <a:prstGeom prst="rect">
+            <a:avLst/>
+          </a:prstGeom>
+        </p:spPr>
+        <p:style>
+          <a:lnRef idx="2">
+            <a:schemeClr val="accent1">
+              <a:shade val="50000"/>
+            </a:schemeClr>
+          </a:lnRef>
+          <a:fillRef idx="1">
+            <a:schemeClr val="accent1"/>
+          </a:fillRef>
+          <a:effectRef idx="0">
+            <a:schemeClr val="accent1"/>
+          </a:effectRef>
+          <a:fontRef idx="minor">
+            <a:schemeClr val="lt1"/>
+          </a:fontRef>
+        </p:style>
+        <p:txBody>
+          <a:bodyPr rtlCol="0" anchor="ctr"/>
+          <a:lstStyle/>
+          <a:p>
+            <a:pPr algn="ctr"/>
+            <a:r>
+              <a:rPr lang="en-US" dirty="0"/>
+              <a:t>MD </a:t>
+            </a:r>
           </a:p>
         </p:txBody>
       </p:sp>
     </p:spTree>
     <p:extLst>
       <p:ext uri="{BB962C8B-B14F-4D97-AF65-F5344CB8AC3E}">
-        <p14:creationId xmlns:p14="http://schemas.microsoft.com/office/powerpoint/2010/main" val="1620599322"/>
+        <p14:creationId xmlns:p14="http://schemas.microsoft.com/office/powerpoint/2010/main" val="316803454"/>
       </p:ext>
     </p:extLst>
   </p:cSld>
@@ -4951,6 +5051,924 @@
       </p:grpSpPr>
       <p:sp>
         <p:nvSpPr>
+          <p:cNvPr id="2" name="Title 1">
+            <a:extLst>
+              <a:ext uri="{FF2B5EF4-FFF2-40B4-BE49-F238E27FC236}">
+                <a16:creationId xmlns:a16="http://schemas.microsoft.com/office/drawing/2014/main" id="{8F995DB5-DC9A-4ECB-9FE3-093EA9D53127}"/>
+              </a:ext>
+            </a:extLst>
+          </p:cNvPr>
+          <p:cNvSpPr>
+            <a:spLocks noGrp="1"/>
+          </p:cNvSpPr>
+          <p:nvPr>
+            <p:ph type="title"/>
+          </p:nvPr>
+        </p:nvSpPr>
+        <p:spPr>
+          <a:xfrm>
+            <a:off x="0" y="2515"/>
+            <a:ext cx="10243367" cy="1325563"/>
+          </a:xfrm>
+        </p:spPr>
+        <p:txBody>
+          <a:bodyPr anchor="ctr">
+            <a:normAutofit/>
+          </a:bodyPr>
+          <a:lstStyle/>
+          <a:p>
+            <a:pPr indent="228600"/>
+            <a:r>
+              <a:rPr lang="en-US" sz="4000" dirty="0"/>
+              <a:t>Molecular Dynamics – The Mathematics</a:t>
+            </a:r>
+          </a:p>
+        </p:txBody>
+      </p:sp>
+      <p:sp>
+        <p:nvSpPr>
+          <p:cNvPr id="4" name="Slide Number Placeholder 3">
+            <a:extLst>
+              <a:ext uri="{FF2B5EF4-FFF2-40B4-BE49-F238E27FC236}">
+                <a16:creationId xmlns:a16="http://schemas.microsoft.com/office/drawing/2014/main" id="{D88C6115-991E-40A5-814F-835E6F2E1763}"/>
+              </a:ext>
+            </a:extLst>
+          </p:cNvPr>
+          <p:cNvSpPr>
+            <a:spLocks noGrp="1"/>
+          </p:cNvSpPr>
+          <p:nvPr>
+            <p:ph type="sldNum" sz="quarter" idx="12"/>
+          </p:nvPr>
+        </p:nvSpPr>
+        <p:spPr/>
+        <p:txBody>
+          <a:bodyPr/>
+          <a:lstStyle/>
+          <a:p>
+            <a:fld id="{D9FC06F5-072E-466B-AC6C-4B8FBC37ADD3}" type="slidenum">
+              <a:rPr lang="en-US" smtClean="0"/>
+              <a:t>5</a:t>
+            </a:fld>
+            <a:endParaRPr lang="en-US"/>
+          </a:p>
+        </p:txBody>
+      </p:sp>
+      <p:sp>
+        <p:nvSpPr>
+          <p:cNvPr id="29" name="TextBox 28">
+            <a:extLst>
+              <a:ext uri="{FF2B5EF4-FFF2-40B4-BE49-F238E27FC236}">
+                <a16:creationId xmlns:a16="http://schemas.microsoft.com/office/drawing/2014/main" id="{BFF9B201-DD2A-4E1C-A069-B060D7B709ED}"/>
+              </a:ext>
+            </a:extLst>
+          </p:cNvPr>
+          <p:cNvSpPr txBox="1"/>
+          <p:nvPr/>
+        </p:nvSpPr>
+        <p:spPr>
+          <a:xfrm>
+            <a:off x="1259996" y="5591166"/>
+            <a:ext cx="9614369" cy="442674"/>
+          </a:xfrm>
+          <a:prstGeom prst="roundRect">
+            <a:avLst/>
+          </a:prstGeom>
+          <a:noFill/>
+        </p:spPr>
+        <p:txBody>
+          <a:bodyPr wrap="square" rtlCol="0">
+            <a:spAutoFit/>
+          </a:bodyPr>
+          <a:lstStyle/>
+          <a:p>
+            <a:pPr algn="ctr"/>
+            <a:r>
+              <a:rPr lang="en-US" sz="2000" dirty="0">
+                <a:latin typeface="HellschreiberSansW00-Bold" panose="02000806000000020003" pitchFamily="2" charset="0"/>
+              </a:rPr>
+              <a:t>xxx</a:t>
+            </a:r>
+          </a:p>
+        </p:txBody>
+      </p:sp>
+      <p:sp>
+        <p:nvSpPr>
+          <p:cNvPr id="5" name="Date Placeholder 4">
+            <a:extLst>
+              <a:ext uri="{FF2B5EF4-FFF2-40B4-BE49-F238E27FC236}">
+                <a16:creationId xmlns:a16="http://schemas.microsoft.com/office/drawing/2014/main" id="{CF24239E-B3BC-4111-B9A3-B5FC12645457}"/>
+              </a:ext>
+            </a:extLst>
+          </p:cNvPr>
+          <p:cNvSpPr>
+            <a:spLocks noGrp="1"/>
+          </p:cNvSpPr>
+          <p:nvPr>
+            <p:ph type="dt" sz="half" idx="10"/>
+          </p:nvPr>
+        </p:nvSpPr>
+        <p:spPr/>
+        <p:txBody>
+          <a:bodyPr/>
+          <a:lstStyle/>
+          <a:p>
+            <a:fld id="{DC55DF7D-0BC3-B94E-878D-FB685BC45A56}" type="datetime1">
+              <a:rPr lang="en-US" smtClean="0"/>
+              <a:t>4/2/23</a:t>
+            </a:fld>
+            <a:endParaRPr lang="en-US"/>
+          </a:p>
+        </p:txBody>
+      </p:sp>
+      <p:sp>
+        <p:nvSpPr>
+          <p:cNvPr id="6" name="Footer Placeholder 5">
+            <a:extLst>
+              <a:ext uri="{FF2B5EF4-FFF2-40B4-BE49-F238E27FC236}">
+                <a16:creationId xmlns:a16="http://schemas.microsoft.com/office/drawing/2014/main" id="{47FD7281-7FB7-4298-9D8E-373BBA69DD0C}"/>
+              </a:ext>
+            </a:extLst>
+          </p:cNvPr>
+          <p:cNvSpPr>
+            <a:spLocks noGrp="1"/>
+          </p:cNvSpPr>
+          <p:nvPr>
+            <p:ph type="ftr" sz="quarter" idx="11"/>
+          </p:nvPr>
+        </p:nvSpPr>
+        <p:spPr/>
+        <p:txBody>
+          <a:bodyPr/>
+          <a:lstStyle/>
+          <a:p>
+            <a:r>
+              <a:rPr lang="en-US"/>
+              <a:t>Teslim, Toheeb &amp; Chidera (2023)</a:t>
+            </a:r>
+          </a:p>
+        </p:txBody>
+      </p:sp>
+      <p:sp>
+        <p:nvSpPr>
+          <p:cNvPr id="7" name="TextBox 6">
+            <a:extLst>
+              <a:ext uri="{FF2B5EF4-FFF2-40B4-BE49-F238E27FC236}">
+                <a16:creationId xmlns:a16="http://schemas.microsoft.com/office/drawing/2014/main" id="{36E747C8-896C-BDE0-CBA8-70291256C7AA}"/>
+              </a:ext>
+            </a:extLst>
+          </p:cNvPr>
+          <p:cNvSpPr txBox="1"/>
+          <p:nvPr/>
+        </p:nvSpPr>
+        <p:spPr>
+          <a:xfrm>
+            <a:off x="989527" y="1465922"/>
+            <a:ext cx="6098146" cy="923330"/>
+          </a:xfrm>
+          <a:prstGeom prst="rect">
+            <a:avLst/>
+          </a:prstGeom>
+          <a:noFill/>
+        </p:spPr>
+        <p:txBody>
+          <a:bodyPr wrap="square">
+            <a:spAutoFit/>
+          </a:bodyPr>
+          <a:lstStyle/>
+          <a:p>
+            <a:r>
+              <a:rPr lang="en-US" sz="1800" dirty="0"/>
+              <a:t>Here, we will show some of the </a:t>
+            </a:r>
+            <a:r>
+              <a:rPr lang="en-US" sz="1800" dirty="0" err="1"/>
+              <a:t>maths</a:t>
+            </a:r>
+            <a:r>
+              <a:rPr lang="en-US" sz="1800" dirty="0"/>
+              <a:t> involved in the computation of some of our properties. We plan to compute 1) </a:t>
+            </a:r>
+            <a:r>
+              <a:rPr lang="en-US" dirty="0"/>
+              <a:t>Interfacial Tension (IFT), 2) density</a:t>
+            </a:r>
+          </a:p>
+        </p:txBody>
+      </p:sp>
+    </p:spTree>
+    <p:extLst>
+      <p:ext uri="{BB962C8B-B14F-4D97-AF65-F5344CB8AC3E}">
+        <p14:creationId xmlns:p14="http://schemas.microsoft.com/office/powerpoint/2010/main" val="2703333796"/>
+      </p:ext>
+    </p:extLst>
+  </p:cSld>
+  <p:clrMapOvr>
+    <a:masterClrMapping/>
+  </p:clrMapOvr>
+</p:sld>
+</file>
+
+<file path=ppt/slides/slide6.xml><?xml version="1.0" encoding="utf-8"?>
+<p:sld xmlns:a="http://schemas.openxmlformats.org/drawingml/2006/main" xmlns:r="http://schemas.openxmlformats.org/officeDocument/2006/relationships" xmlns:p="http://schemas.openxmlformats.org/presentationml/2006/main">
+  <p:cSld>
+    <p:spTree>
+      <p:nvGrpSpPr>
+        <p:cNvPr id="1" name=""/>
+        <p:cNvGrpSpPr/>
+        <p:nvPr/>
+      </p:nvGrpSpPr>
+      <p:grpSpPr>
+        <a:xfrm>
+          <a:off x="0" y="0"/>
+          <a:ext cx="0" cy="0"/>
+          <a:chOff x="0" y="0"/>
+          <a:chExt cx="0" cy="0"/>
+        </a:xfrm>
+      </p:grpSpPr>
+      <p:sp>
+        <p:nvSpPr>
+          <p:cNvPr id="2" name="Title 1">
+            <a:extLst>
+              <a:ext uri="{FF2B5EF4-FFF2-40B4-BE49-F238E27FC236}">
+                <a16:creationId xmlns:a16="http://schemas.microsoft.com/office/drawing/2014/main" id="{8F995DB5-DC9A-4ECB-9FE3-093EA9D53127}"/>
+              </a:ext>
+            </a:extLst>
+          </p:cNvPr>
+          <p:cNvSpPr>
+            <a:spLocks noGrp="1"/>
+          </p:cNvSpPr>
+          <p:nvPr>
+            <p:ph type="title"/>
+          </p:nvPr>
+        </p:nvSpPr>
+        <p:spPr>
+          <a:xfrm>
+            <a:off x="0" y="-5691"/>
+            <a:ext cx="10515600" cy="1325563"/>
+          </a:xfrm>
+        </p:spPr>
+        <p:txBody>
+          <a:bodyPr anchor="ctr">
+            <a:normAutofit/>
+          </a:bodyPr>
+          <a:lstStyle/>
+          <a:p>
+            <a:pPr indent="228600"/>
+            <a:r>
+              <a:rPr lang="en-US" sz="4000" dirty="0"/>
+              <a:t>Results &amp; Discussion</a:t>
+            </a:r>
+          </a:p>
+        </p:txBody>
+      </p:sp>
+      <p:sp>
+        <p:nvSpPr>
+          <p:cNvPr id="4" name="Slide Number Placeholder 3">
+            <a:extLst>
+              <a:ext uri="{FF2B5EF4-FFF2-40B4-BE49-F238E27FC236}">
+                <a16:creationId xmlns:a16="http://schemas.microsoft.com/office/drawing/2014/main" id="{D88C6115-991E-40A5-814F-835E6F2E1763}"/>
+              </a:ext>
+            </a:extLst>
+          </p:cNvPr>
+          <p:cNvSpPr>
+            <a:spLocks noGrp="1"/>
+          </p:cNvSpPr>
+          <p:nvPr>
+            <p:ph type="sldNum" sz="quarter" idx="12"/>
+          </p:nvPr>
+        </p:nvSpPr>
+        <p:spPr/>
+        <p:txBody>
+          <a:bodyPr/>
+          <a:lstStyle/>
+          <a:p>
+            <a:fld id="{D9FC06F5-072E-466B-AC6C-4B8FBC37ADD3}" type="slidenum">
+              <a:rPr lang="en-US" smtClean="0"/>
+              <a:t>6</a:t>
+            </a:fld>
+            <a:endParaRPr lang="en-US"/>
+          </a:p>
+        </p:txBody>
+      </p:sp>
+      <p:sp>
+        <p:nvSpPr>
+          <p:cNvPr id="66" name="Two ways to manage heat in a larger stack…">
+            <a:extLst>
+              <a:ext uri="{FF2B5EF4-FFF2-40B4-BE49-F238E27FC236}">
+                <a16:creationId xmlns:a16="http://schemas.microsoft.com/office/drawing/2014/main" id="{399AB500-B4FC-47B9-ACF0-EE8C3CB3E93E}"/>
+              </a:ext>
+            </a:extLst>
+          </p:cNvPr>
+          <p:cNvSpPr txBox="1"/>
+          <p:nvPr/>
+        </p:nvSpPr>
+        <p:spPr>
+          <a:xfrm>
+            <a:off x="692151" y="4383972"/>
+            <a:ext cx="7013682" cy="974626"/>
+          </a:xfrm>
+          <a:prstGeom prst="rect">
+            <a:avLst/>
+          </a:prstGeom>
+          <a:ln w="12700">
+            <a:miter lim="400000"/>
+          </a:ln>
+          <a:extLst>
+            <a:ext uri="{C572A759-6A51-4108-AA02-DFA0A04FC94B}">
+              <ma14:wrappingTextBoxFlag xmlns:ma14="http://schemas.microsoft.com/office/mac/drawingml/2011/main" xmlns:a14="http://schemas.microsoft.com/office/drawing/2010/main" xmlns:m="http://schemas.openxmlformats.org/officeDocument/2006/math" xmlns="" val="1"/>
+            </a:ext>
+          </a:extLst>
+        </p:spPr>
+        <p:txBody>
+          <a:bodyPr wrap="square" lIns="25400" tIns="25400" rIns="25400" bIns="25400" anchor="ctr">
+            <a:spAutoFit/>
+          </a:bodyPr>
+          <a:lstStyle/>
+          <a:p>
+            <a:pPr marL="173038" indent="-173038" defTabSz="292100">
+              <a:buSzPct val="100000"/>
+              <a:buFont typeface="Arial" panose="020B0604020202020204" pitchFamily="34" charset="0"/>
+              <a:buChar char="•"/>
+              <a:defRPr sz="4200">
+                <a:solidFill>
+                  <a:srgbClr val="4BACC6">
+                    <a:hueOff val="-82419"/>
+                    <a:satOff val="-9513"/>
+                    <a:lumOff val="-16343"/>
+                  </a:srgbClr>
+                </a:solidFill>
+                <a:latin typeface="Helvetica"/>
+                <a:ea typeface="Helvetica"/>
+                <a:cs typeface="Helvetica"/>
+                <a:sym typeface="Helvetica"/>
+              </a:defRPr>
+            </a:pPr>
+            <a:r>
+              <a:rPr lang="en-US" sz="2000" dirty="0" err="1">
+                <a:solidFill>
+                  <a:schemeClr val="tx1">
+                    <a:lumMod val="75000"/>
+                    <a:lumOff val="25000"/>
+                  </a:schemeClr>
+                </a:solidFill>
+                <a:latin typeface="+mj-lt"/>
+                <a:ea typeface="Lato Semibold" panose="020F0502020204030203" pitchFamily="34" charset="0"/>
+                <a:cs typeface="Lato Semibold" panose="020F0502020204030203" pitchFamily="34" charset="0"/>
+                <a:sym typeface="Helvetica"/>
+              </a:rPr>
+              <a:t>Xxx</a:t>
+            </a:r>
+            <a:endParaRPr lang="en-US" sz="2000" dirty="0">
+              <a:solidFill>
+                <a:schemeClr val="tx1">
+                  <a:lumMod val="75000"/>
+                  <a:lumOff val="25000"/>
+                </a:schemeClr>
+              </a:solidFill>
+              <a:latin typeface="+mj-lt"/>
+              <a:ea typeface="Lato Semibold" panose="020F0502020204030203" pitchFamily="34" charset="0"/>
+              <a:cs typeface="Lato Semibold" panose="020F0502020204030203" pitchFamily="34" charset="0"/>
+              <a:sym typeface="Helvetica"/>
+            </a:endParaRPr>
+          </a:p>
+          <a:p>
+            <a:pPr marL="173038" indent="-173038" defTabSz="292100">
+              <a:buSzPct val="100000"/>
+              <a:buFont typeface="Arial" panose="020B0604020202020204" pitchFamily="34" charset="0"/>
+              <a:buChar char="•"/>
+              <a:defRPr sz="4200">
+                <a:solidFill>
+                  <a:srgbClr val="4BACC6">
+                    <a:hueOff val="-82419"/>
+                    <a:satOff val="-9513"/>
+                    <a:lumOff val="-16343"/>
+                  </a:srgbClr>
+                </a:solidFill>
+                <a:latin typeface="Helvetica"/>
+                <a:ea typeface="Helvetica"/>
+                <a:cs typeface="Helvetica"/>
+                <a:sym typeface="Helvetica"/>
+              </a:defRPr>
+            </a:pPr>
+            <a:r>
+              <a:rPr lang="en-US" sz="2000" dirty="0" err="1">
+                <a:solidFill>
+                  <a:schemeClr val="tx1">
+                    <a:lumMod val="75000"/>
+                    <a:lumOff val="25000"/>
+                  </a:schemeClr>
+                </a:solidFill>
+                <a:latin typeface="+mj-lt"/>
+                <a:ea typeface="Lato Semibold" panose="020F0502020204030203" pitchFamily="34" charset="0"/>
+                <a:cs typeface="Lato Semibold" panose="020F0502020204030203" pitchFamily="34" charset="0"/>
+                <a:sym typeface="Helvetica"/>
+              </a:rPr>
+              <a:t>Xxxx</a:t>
+            </a:r>
+            <a:endParaRPr lang="en-US" sz="2000" dirty="0">
+              <a:solidFill>
+                <a:schemeClr val="tx1">
+                  <a:lumMod val="75000"/>
+                  <a:lumOff val="25000"/>
+                </a:schemeClr>
+              </a:solidFill>
+              <a:latin typeface="+mj-lt"/>
+              <a:ea typeface="Lato Semibold" panose="020F0502020204030203" pitchFamily="34" charset="0"/>
+              <a:cs typeface="Lato Semibold" panose="020F0502020204030203" pitchFamily="34" charset="0"/>
+              <a:sym typeface="Helvetica"/>
+            </a:endParaRPr>
+          </a:p>
+          <a:p>
+            <a:pPr marL="173038" indent="-173038" defTabSz="292100">
+              <a:buSzPct val="100000"/>
+              <a:buFont typeface="Arial" panose="020B0604020202020204" pitchFamily="34" charset="0"/>
+              <a:buChar char="•"/>
+              <a:defRPr sz="4200">
+                <a:solidFill>
+                  <a:srgbClr val="4BACC6">
+                    <a:hueOff val="-82419"/>
+                    <a:satOff val="-9513"/>
+                    <a:lumOff val="-16343"/>
+                  </a:srgbClr>
+                </a:solidFill>
+                <a:latin typeface="Helvetica"/>
+                <a:ea typeface="Helvetica"/>
+                <a:cs typeface="Helvetica"/>
+                <a:sym typeface="Helvetica"/>
+              </a:defRPr>
+            </a:pPr>
+            <a:r>
+              <a:rPr lang="en-US" sz="2000" dirty="0" err="1">
+                <a:solidFill>
+                  <a:schemeClr val="tx1">
+                    <a:lumMod val="75000"/>
+                    <a:lumOff val="25000"/>
+                  </a:schemeClr>
+                </a:solidFill>
+                <a:latin typeface="+mj-lt"/>
+                <a:ea typeface="Lato Semibold" panose="020F0502020204030203" pitchFamily="34" charset="0"/>
+                <a:cs typeface="Lato Semibold" panose="020F0502020204030203" pitchFamily="34" charset="0"/>
+                <a:sym typeface="Helvetica"/>
+              </a:rPr>
+              <a:t>xxxx</a:t>
+            </a:r>
+            <a:endParaRPr lang="en-US" sz="2000" dirty="0">
+              <a:solidFill>
+                <a:schemeClr val="tx1">
+                  <a:lumMod val="75000"/>
+                  <a:lumOff val="25000"/>
+                </a:schemeClr>
+              </a:solidFill>
+              <a:latin typeface="+mj-lt"/>
+              <a:ea typeface="Lato Semibold" panose="020F0502020204030203" pitchFamily="34" charset="0"/>
+              <a:cs typeface="Lato Semibold" panose="020F0502020204030203" pitchFamily="34" charset="0"/>
+              <a:sym typeface="Helvetica"/>
+            </a:endParaRPr>
+          </a:p>
+        </p:txBody>
+      </p:sp>
+      <p:sp>
+        <p:nvSpPr>
+          <p:cNvPr id="67" name="TextBox 66">
+            <a:extLst>
+              <a:ext uri="{FF2B5EF4-FFF2-40B4-BE49-F238E27FC236}">
+                <a16:creationId xmlns:a16="http://schemas.microsoft.com/office/drawing/2014/main" id="{F39CFC02-A4BB-4803-AD94-0AAB0A3C709E}"/>
+              </a:ext>
+            </a:extLst>
+          </p:cNvPr>
+          <p:cNvSpPr txBox="1"/>
+          <p:nvPr/>
+        </p:nvSpPr>
+        <p:spPr>
+          <a:xfrm>
+            <a:off x="838200" y="5979759"/>
+            <a:ext cx="3972562" cy="461665"/>
+          </a:xfrm>
+          <a:prstGeom prst="rect">
+            <a:avLst/>
+          </a:prstGeom>
+          <a:noFill/>
+        </p:spPr>
+        <p:txBody>
+          <a:bodyPr wrap="none" rtlCol="0">
+            <a:spAutoFit/>
+          </a:bodyPr>
+          <a:lstStyle/>
+          <a:p>
+            <a:pPr>
+              <a:defRPr b="0">
+                <a:solidFill>
+                  <a:schemeClr val="accent4">
+                    <a:hueOff val="-1081314"/>
+                    <a:satOff val="4338"/>
+                    <a:lumOff val="-8931"/>
+                  </a:schemeClr>
+                </a:solidFill>
+              </a:defRPr>
+            </a:pPr>
+            <a:r>
+              <a:rPr lang="en-US" sz="1200" dirty="0">
+                <a:solidFill>
+                  <a:srgbClr val="000000"/>
+                </a:solidFill>
+                <a:latin typeface="+mj-lt"/>
+              </a:rPr>
+              <a:t>F. Wagner, M. Mathias, J. Phys. Chem. Lett. (2010)</a:t>
+            </a:r>
+          </a:p>
+          <a:p>
+            <a:pPr>
+              <a:defRPr b="0">
+                <a:solidFill>
+                  <a:schemeClr val="accent4">
+                    <a:hueOff val="-1081314"/>
+                    <a:satOff val="4338"/>
+                    <a:lumOff val="-8931"/>
+                  </a:schemeClr>
+                </a:solidFill>
+              </a:defRPr>
+            </a:pPr>
+            <a:r>
+              <a:rPr lang="en-US" sz="1200" dirty="0">
+                <a:solidFill>
+                  <a:srgbClr val="000000"/>
+                </a:solidFill>
+                <a:latin typeface="+mj-lt"/>
+              </a:rPr>
+              <a:t>V. </a:t>
+            </a:r>
+            <a:r>
+              <a:rPr lang="en-US" sz="1200" dirty="0" err="1">
+                <a:solidFill>
+                  <a:srgbClr val="000000"/>
+                </a:solidFill>
+                <a:latin typeface="+mj-lt"/>
+              </a:rPr>
+              <a:t>Murthi</a:t>
+            </a:r>
+            <a:r>
+              <a:rPr lang="en-US" sz="1200" dirty="0">
+                <a:solidFill>
+                  <a:srgbClr val="000000"/>
+                </a:solidFill>
+                <a:latin typeface="+mj-lt"/>
+              </a:rPr>
+              <a:t>, US DOE HTPEM Workshop, Nikola Motor (2020)</a:t>
+            </a:r>
+          </a:p>
+        </p:txBody>
+      </p:sp>
+      <p:sp>
+        <p:nvSpPr>
+          <p:cNvPr id="5" name="Date Placeholder 4">
+            <a:extLst>
+              <a:ext uri="{FF2B5EF4-FFF2-40B4-BE49-F238E27FC236}">
+                <a16:creationId xmlns:a16="http://schemas.microsoft.com/office/drawing/2014/main" id="{64C38C78-C8B8-494E-8EF6-B74ADB491C5A}"/>
+              </a:ext>
+            </a:extLst>
+          </p:cNvPr>
+          <p:cNvSpPr>
+            <a:spLocks noGrp="1"/>
+          </p:cNvSpPr>
+          <p:nvPr>
+            <p:ph type="dt" sz="half" idx="10"/>
+          </p:nvPr>
+        </p:nvSpPr>
+        <p:spPr/>
+        <p:txBody>
+          <a:bodyPr/>
+          <a:lstStyle/>
+          <a:p>
+            <a:fld id="{F0A827A7-0E4C-D948-B1E4-DAA56BEE69B7}" type="datetime1">
+              <a:rPr lang="en-US" smtClean="0"/>
+              <a:t>4/2/23</a:t>
+            </a:fld>
+            <a:endParaRPr lang="en-US"/>
+          </a:p>
+        </p:txBody>
+      </p:sp>
+      <p:sp>
+        <p:nvSpPr>
+          <p:cNvPr id="7" name="Footer Placeholder 6">
+            <a:extLst>
+              <a:ext uri="{FF2B5EF4-FFF2-40B4-BE49-F238E27FC236}">
+                <a16:creationId xmlns:a16="http://schemas.microsoft.com/office/drawing/2014/main" id="{30B15602-E830-4FA4-9F5D-A55380FF35E0}"/>
+              </a:ext>
+            </a:extLst>
+          </p:cNvPr>
+          <p:cNvSpPr>
+            <a:spLocks noGrp="1"/>
+          </p:cNvSpPr>
+          <p:nvPr>
+            <p:ph type="ftr" sz="quarter" idx="11"/>
+          </p:nvPr>
+        </p:nvSpPr>
+        <p:spPr/>
+        <p:txBody>
+          <a:bodyPr/>
+          <a:lstStyle/>
+          <a:p>
+            <a:r>
+              <a:rPr lang="en-US"/>
+              <a:t>Teslim, Toheeb &amp; Chidera (2023)</a:t>
+            </a:r>
+          </a:p>
+        </p:txBody>
+      </p:sp>
+      <p:sp>
+        <p:nvSpPr>
+          <p:cNvPr id="13" name="TextBox 12">
+            <a:extLst>
+              <a:ext uri="{FF2B5EF4-FFF2-40B4-BE49-F238E27FC236}">
+                <a16:creationId xmlns:a16="http://schemas.microsoft.com/office/drawing/2014/main" id="{28FC2B82-94E7-4F6D-9A14-1A355152278C}"/>
+              </a:ext>
+            </a:extLst>
+          </p:cNvPr>
+          <p:cNvSpPr txBox="1"/>
+          <p:nvPr/>
+        </p:nvSpPr>
+        <p:spPr>
+          <a:xfrm>
+            <a:off x="3581400" y="3358259"/>
+            <a:ext cx="3225800" cy="369332"/>
+          </a:xfrm>
+          <a:prstGeom prst="rect">
+            <a:avLst/>
+          </a:prstGeom>
+          <a:noFill/>
+        </p:spPr>
+        <p:txBody>
+          <a:bodyPr wrap="square" rtlCol="0">
+            <a:spAutoFit/>
+          </a:bodyPr>
+          <a:lstStyle/>
+          <a:p>
+            <a:r>
+              <a:rPr lang="en-US" dirty="0">
+                <a:solidFill>
+                  <a:schemeClr val="bg1"/>
+                </a:solidFill>
+                <a:latin typeface="+mj-lt"/>
+              </a:rPr>
+              <a:t>Hyundai HDC-6 Neptune truck</a:t>
+            </a:r>
+          </a:p>
+        </p:txBody>
+      </p:sp>
+    </p:spTree>
+    <p:extLst>
+      <p:ext uri="{BB962C8B-B14F-4D97-AF65-F5344CB8AC3E}">
+        <p14:creationId xmlns:p14="http://schemas.microsoft.com/office/powerpoint/2010/main" val="1169272502"/>
+      </p:ext>
+    </p:extLst>
+  </p:cSld>
+  <p:clrMapOvr>
+    <a:masterClrMapping/>
+  </p:clrMapOvr>
+</p:sld>
+</file>
+
+<file path=ppt/slides/slide7.xml><?xml version="1.0" encoding="utf-8"?>
+<p:sld xmlns:a="http://schemas.openxmlformats.org/drawingml/2006/main" xmlns:r="http://schemas.openxmlformats.org/officeDocument/2006/relationships" xmlns:p="http://schemas.openxmlformats.org/presentationml/2006/main">
+  <p:cSld>
+    <p:spTree>
+      <p:nvGrpSpPr>
+        <p:cNvPr id="1" name=""/>
+        <p:cNvGrpSpPr/>
+        <p:nvPr/>
+      </p:nvGrpSpPr>
+      <p:grpSpPr>
+        <a:xfrm>
+          <a:off x="0" y="0"/>
+          <a:ext cx="0" cy="0"/>
+          <a:chOff x="0" y="0"/>
+          <a:chExt cx="0" cy="0"/>
+        </a:xfrm>
+      </p:grpSpPr>
+      <p:sp>
+        <p:nvSpPr>
+          <p:cNvPr id="2" name="Title 1">
+            <a:extLst>
+              <a:ext uri="{FF2B5EF4-FFF2-40B4-BE49-F238E27FC236}">
+                <a16:creationId xmlns:a16="http://schemas.microsoft.com/office/drawing/2014/main" id="{D983F550-2C84-467C-BD13-A054AC383FE4}"/>
+              </a:ext>
+            </a:extLst>
+          </p:cNvPr>
+          <p:cNvSpPr>
+            <a:spLocks noGrp="1"/>
+          </p:cNvSpPr>
+          <p:nvPr>
+            <p:ph type="title"/>
+          </p:nvPr>
+        </p:nvSpPr>
+        <p:spPr>
+          <a:xfrm>
+            <a:off x="0" y="0"/>
+            <a:ext cx="10515600" cy="1325563"/>
+          </a:xfrm>
+        </p:spPr>
+        <p:txBody>
+          <a:bodyPr anchor="ctr">
+            <a:normAutofit/>
+          </a:bodyPr>
+          <a:lstStyle/>
+          <a:p>
+            <a:pPr indent="228600"/>
+            <a:r>
+              <a:rPr lang="en-US" sz="4000" dirty="0"/>
+              <a:t>Conclusions</a:t>
+            </a:r>
+          </a:p>
+        </p:txBody>
+      </p:sp>
+      <p:sp>
+        <p:nvSpPr>
+          <p:cNvPr id="4" name="Content Placeholder 3">
+            <a:extLst>
+              <a:ext uri="{FF2B5EF4-FFF2-40B4-BE49-F238E27FC236}">
+                <a16:creationId xmlns:a16="http://schemas.microsoft.com/office/drawing/2014/main" id="{EC64FB5D-B98A-4CB8-96F3-5AA415857F1F}"/>
+              </a:ext>
+            </a:extLst>
+          </p:cNvPr>
+          <p:cNvSpPr>
+            <a:spLocks noGrp="1"/>
+          </p:cNvSpPr>
+          <p:nvPr>
+            <p:ph idx="1"/>
+          </p:nvPr>
+        </p:nvSpPr>
+        <p:spPr>
+          <a:xfrm>
+            <a:off x="838200" y="1531949"/>
+            <a:ext cx="10515600" cy="4351338"/>
+          </a:xfrm>
+        </p:spPr>
+        <p:txBody>
+          <a:bodyPr/>
+          <a:lstStyle/>
+          <a:p>
+            <a:r>
+              <a:rPr lang="en-US" dirty="0" err="1">
+                <a:latin typeface="HellschreiberSansW00-Bold" panose="02000806000000020003" pitchFamily="2" charset="0"/>
+              </a:rPr>
+              <a:t>Xxxx</a:t>
+            </a:r>
+            <a:endParaRPr lang="en-US" dirty="0">
+              <a:latin typeface="HellschreiberSansW00-Bold" panose="02000806000000020003" pitchFamily="2" charset="0"/>
+            </a:endParaRPr>
+          </a:p>
+          <a:p>
+            <a:r>
+              <a:rPr lang="en-US" dirty="0" err="1">
+                <a:latin typeface="HellschreiberSansW00-Bold" panose="02000806000000020003" pitchFamily="2" charset="0"/>
+                <a:ea typeface="Lato Semibold" panose="020F0502020204030203" pitchFamily="34" charset="0"/>
+                <a:cs typeface="Lato Semibold" panose="020F0502020204030203" pitchFamily="34" charset="0"/>
+              </a:rPr>
+              <a:t>xxxx</a:t>
+            </a:r>
+            <a:endParaRPr lang="en-US" dirty="0">
+              <a:latin typeface="HellschreiberSansW00-Bold" panose="02000806000000020003" pitchFamily="2" charset="0"/>
+              <a:ea typeface="Lato Semibold" panose="020F0502020204030203" pitchFamily="34" charset="0"/>
+              <a:cs typeface="Lato Semibold" panose="020F0502020204030203" pitchFamily="34" charset="0"/>
+            </a:endParaRPr>
+          </a:p>
+        </p:txBody>
+      </p:sp>
+      <p:sp>
+        <p:nvSpPr>
+          <p:cNvPr id="7" name="Date Placeholder 6">
+            <a:extLst>
+              <a:ext uri="{FF2B5EF4-FFF2-40B4-BE49-F238E27FC236}">
+                <a16:creationId xmlns:a16="http://schemas.microsoft.com/office/drawing/2014/main" id="{DF8EB1B5-20AE-4AE0-989D-673B9893A2D4}"/>
+              </a:ext>
+            </a:extLst>
+          </p:cNvPr>
+          <p:cNvSpPr>
+            <a:spLocks noGrp="1"/>
+          </p:cNvSpPr>
+          <p:nvPr>
+            <p:ph type="dt" sz="half" idx="10"/>
+          </p:nvPr>
+        </p:nvSpPr>
+        <p:spPr/>
+        <p:txBody>
+          <a:bodyPr/>
+          <a:lstStyle/>
+          <a:p>
+            <a:fld id="{0BDD9616-256E-E942-9633-3C7CBF417651}" type="datetime1">
+              <a:rPr lang="en-US" smtClean="0"/>
+              <a:t>4/2/23</a:t>
+            </a:fld>
+            <a:endParaRPr lang="en-US"/>
+          </a:p>
+        </p:txBody>
+      </p:sp>
+      <p:sp>
+        <p:nvSpPr>
+          <p:cNvPr id="9" name="Footer Placeholder 8">
+            <a:extLst>
+              <a:ext uri="{FF2B5EF4-FFF2-40B4-BE49-F238E27FC236}">
+                <a16:creationId xmlns:a16="http://schemas.microsoft.com/office/drawing/2014/main" id="{49CF676F-E8B5-4E7D-BFB9-329F95CD7E11}"/>
+              </a:ext>
+            </a:extLst>
+          </p:cNvPr>
+          <p:cNvSpPr>
+            <a:spLocks noGrp="1"/>
+          </p:cNvSpPr>
+          <p:nvPr>
+            <p:ph type="ftr" sz="quarter" idx="11"/>
+          </p:nvPr>
+        </p:nvSpPr>
+        <p:spPr/>
+        <p:txBody>
+          <a:bodyPr/>
+          <a:lstStyle/>
+          <a:p>
+            <a:r>
+              <a:rPr lang="en-US" dirty="0"/>
+              <a:t>Teslim, </a:t>
+            </a:r>
+            <a:r>
+              <a:rPr lang="en-US" dirty="0" err="1"/>
+              <a:t>Toheeb</a:t>
+            </a:r>
+            <a:r>
+              <a:rPr lang="en-US" dirty="0"/>
+              <a:t> &amp; </a:t>
+            </a:r>
+            <a:r>
+              <a:rPr lang="en-US" dirty="0" err="1"/>
+              <a:t>Chidera</a:t>
+            </a:r>
+            <a:r>
+              <a:rPr lang="en-US" dirty="0"/>
+              <a:t> (2023)</a:t>
+            </a:r>
+          </a:p>
+        </p:txBody>
+      </p:sp>
+      <p:sp>
+        <p:nvSpPr>
+          <p:cNvPr id="10" name="Slide Number Placeholder 9">
+            <a:extLst>
+              <a:ext uri="{FF2B5EF4-FFF2-40B4-BE49-F238E27FC236}">
+                <a16:creationId xmlns:a16="http://schemas.microsoft.com/office/drawing/2014/main" id="{F2832F50-1529-4E29-8083-2F35EA46C596}"/>
+              </a:ext>
+            </a:extLst>
+          </p:cNvPr>
+          <p:cNvSpPr>
+            <a:spLocks noGrp="1"/>
+          </p:cNvSpPr>
+          <p:nvPr>
+            <p:ph type="sldNum" sz="quarter" idx="12"/>
+          </p:nvPr>
+        </p:nvSpPr>
+        <p:spPr/>
+        <p:txBody>
+          <a:bodyPr/>
+          <a:lstStyle/>
+          <a:p>
+            <a:fld id="{942C9DA0-36EC-4E11-8BF2-93E96EE618ED}" type="slidenum">
+              <a:rPr lang="en-US" smtClean="0"/>
+              <a:t>7</a:t>
+            </a:fld>
+            <a:endParaRPr lang="en-US" dirty="0"/>
+          </a:p>
+        </p:txBody>
+      </p:sp>
+    </p:spTree>
+    <p:extLst>
+      <p:ext uri="{BB962C8B-B14F-4D97-AF65-F5344CB8AC3E}">
+        <p14:creationId xmlns:p14="http://schemas.microsoft.com/office/powerpoint/2010/main" val="1620599322"/>
+      </p:ext>
+    </p:extLst>
+  </p:cSld>
+  <p:clrMapOvr>
+    <a:masterClrMapping/>
+  </p:clrMapOvr>
+</p:sld>
+</file>
+
+<file path=ppt/slides/slide8.xml><?xml version="1.0" encoding="utf-8"?>
+<p:sld xmlns:a="http://schemas.openxmlformats.org/drawingml/2006/main" xmlns:r="http://schemas.openxmlformats.org/officeDocument/2006/relationships" xmlns:p="http://schemas.openxmlformats.org/presentationml/2006/main">
+  <p:cSld>
+    <p:spTree>
+      <p:nvGrpSpPr>
+        <p:cNvPr id="1" name=""/>
+        <p:cNvGrpSpPr/>
+        <p:nvPr/>
+      </p:nvGrpSpPr>
+      <p:grpSpPr>
+        <a:xfrm>
+          <a:off x="0" y="0"/>
+          <a:ext cx="0" cy="0"/>
+          <a:chOff x="0" y="0"/>
+          <a:chExt cx="0" cy="0"/>
+        </a:xfrm>
+      </p:grpSpPr>
+      <p:sp>
+        <p:nvSpPr>
           <p:cNvPr id="4" name="Title 3">
             <a:extLst>
               <a:ext uri="{FF2B5EF4-FFF2-40B4-BE49-F238E27FC236}">
@@ -5010,7 +6028,7 @@
           <a:p>
             <a:fld id="{83FE388B-1E95-9F4D-A1B3-2A61CCA17423}" type="datetime1">
               <a:rPr lang="en-US" smtClean="0"/>
-              <a:t>4/1/23</a:t>
+              <a:t>4/2/23</a:t>
             </a:fld>
             <a:endParaRPr lang="en-US"/>
           </a:p>
@@ -5067,7 +6085,7 @@
           <a:p>
             <a:fld id="{942C9DA0-36EC-4E11-8BF2-93E96EE618ED}" type="slidenum">
               <a:rPr lang="en-US" smtClean="0"/>
-              <a:t>5</a:t>
+              <a:t>8</a:t>
             </a:fld>
             <a:endParaRPr lang="en-US"/>
           </a:p>
